--- a/Session1-Intro.pptx
+++ b/Session1-Intro.pptx
@@ -5,7 +5,7 @@
     <p:sldMasterId id="2147483725" r:id="rId1"/>
   </p:sldMasterIdLst>
   <p:notesMasterIdLst>
-    <p:notesMasterId r:id="rId23"/>
+    <p:notesMasterId r:id="rId25"/>
   </p:notesMasterIdLst>
   <p:sldIdLst>
     <p:sldId id="256" r:id="rId2"/>
@@ -22,13 +22,15 @@
     <p:sldId id="266" r:id="rId13"/>
     <p:sldId id="267" r:id="rId14"/>
     <p:sldId id="268" r:id="rId15"/>
-    <p:sldId id="269" r:id="rId16"/>
-    <p:sldId id="276" r:id="rId17"/>
-    <p:sldId id="270" r:id="rId18"/>
-    <p:sldId id="271" r:id="rId19"/>
-    <p:sldId id="277" r:id="rId20"/>
-    <p:sldId id="273" r:id="rId21"/>
-    <p:sldId id="274" r:id="rId22"/>
+    <p:sldId id="278" r:id="rId16"/>
+    <p:sldId id="279" r:id="rId17"/>
+    <p:sldId id="269" r:id="rId18"/>
+    <p:sldId id="276" r:id="rId19"/>
+    <p:sldId id="270" r:id="rId20"/>
+    <p:sldId id="271" r:id="rId21"/>
+    <p:sldId id="277" r:id="rId22"/>
+    <p:sldId id="273" r:id="rId23"/>
+    <p:sldId id="274" r:id="rId24"/>
   </p:sldIdLst>
   <p:sldSz cx="12192000" cy="6858000"/>
   <p:notesSz cx="6858000" cy="9144000"/>
@@ -228,7 +230,7 @@
           <a:p>
             <a:fld id="{64AB1FA9-0455-4201-A5D6-B599DF29E8AE}" type="datetimeFigureOut">
               <a:rPr lang="en-IN" smtClean="0"/>
-              <a:t>06-03-2018</a:t>
+              <a:t>07-03-2018</a:t>
             </a:fld>
             <a:endParaRPr lang="en-IN"/>
           </a:p>
@@ -829,7 +831,7 @@
           <a:p>
             <a:fld id="{A7DE893D-CE04-4AD8-B599-89F5B9665D5A}" type="slidenum">
               <a:rPr lang="en-IN" smtClean="0"/>
-              <a:t>15</a:t>
+              <a:t>17</a:t>
             </a:fld>
             <a:endParaRPr lang="en-IN"/>
           </a:p>
@@ -892,6 +894,12 @@
           <a:bodyPr/>
           <a:lstStyle/>
           <a:p>
+            <a:r>
+              <a:rPr lang="en-IN" dirty="0" smtClean="0"/>
+              <a:t>Common method .class</a:t>
+            </a:r>
+          </a:p>
+          <a:p>
             <a:endParaRPr lang="en-IN" dirty="0"/>
           </a:p>
         </p:txBody>
@@ -913,7 +921,7 @@
           <a:p>
             <a:fld id="{A7DE893D-CE04-4AD8-B599-89F5B9665D5A}" type="slidenum">
               <a:rPr lang="en-IN" smtClean="0"/>
-              <a:t>17</a:t>
+              <a:t>18</a:t>
             </a:fld>
             <a:endParaRPr lang="en-IN"/>
           </a:p>
@@ -922,7 +930,7 @@
     </p:spTree>
     <p:extLst>
       <p:ext uri="{BB962C8B-B14F-4D97-AF65-F5344CB8AC3E}">
-        <p14:creationId xmlns:p14="http://schemas.microsoft.com/office/powerpoint/2010/main" val="2213557907"/>
+        <p14:creationId xmlns:p14="http://schemas.microsoft.com/office/powerpoint/2010/main" val="4028089651"/>
       </p:ext>
     </p:extLst>
   </p:cSld>
@@ -997,7 +1005,292 @@
           <a:p>
             <a:fld id="{A7DE893D-CE04-4AD8-B599-89F5B9665D5A}" type="slidenum">
               <a:rPr lang="en-IN" smtClean="0"/>
-              <a:t>21</a:t>
+              <a:t>19</a:t>
+            </a:fld>
+            <a:endParaRPr lang="en-IN"/>
+          </a:p>
+        </p:txBody>
+      </p:sp>
+    </p:spTree>
+    <p:extLst>
+      <p:ext uri="{BB962C8B-B14F-4D97-AF65-F5344CB8AC3E}">
+        <p14:creationId xmlns:p14="http://schemas.microsoft.com/office/powerpoint/2010/main" val="2213557907"/>
+      </p:ext>
+    </p:extLst>
+  </p:cSld>
+  <p:clrMapOvr>
+    <a:masterClrMapping/>
+  </p:clrMapOvr>
+</p:notes>
+</file>
+
+<file path=ppt/notesSlides/notesSlide15.xml><?xml version="1.0" encoding="utf-8"?>
+<p:notes xmlns:a="http://schemas.openxmlformats.org/drawingml/2006/main" xmlns:r="http://schemas.openxmlformats.org/officeDocument/2006/relationships" xmlns:p="http://schemas.openxmlformats.org/presentationml/2006/main">
+  <p:cSld>
+    <p:spTree>
+      <p:nvGrpSpPr>
+        <p:cNvPr id="1" name=""/>
+        <p:cNvGrpSpPr/>
+        <p:nvPr/>
+      </p:nvGrpSpPr>
+      <p:grpSpPr>
+        <a:xfrm>
+          <a:off x="0" y="0"/>
+          <a:ext cx="0" cy="0"/>
+          <a:chOff x="0" y="0"/>
+          <a:chExt cx="0" cy="0"/>
+        </a:xfrm>
+      </p:grpSpPr>
+      <p:sp>
+        <p:nvSpPr>
+          <p:cNvPr id="2" name="Slide Image Placeholder 1"/>
+          <p:cNvSpPr>
+            <a:spLocks noGrp="1" noRot="1" noChangeAspect="1"/>
+          </p:cNvSpPr>
+          <p:nvPr>
+            <p:ph type="sldImg"/>
+          </p:nvPr>
+        </p:nvSpPr>
+        <p:spPr/>
+      </p:sp>
+      <p:sp>
+        <p:nvSpPr>
+          <p:cNvPr id="3" name="Notes Placeholder 2"/>
+          <p:cNvSpPr>
+            <a:spLocks noGrp="1"/>
+          </p:cNvSpPr>
+          <p:nvPr>
+            <p:ph type="body" idx="1"/>
+          </p:nvPr>
+        </p:nvSpPr>
+        <p:spPr/>
+        <p:txBody>
+          <a:bodyPr/>
+          <a:lstStyle/>
+          <a:p>
+            <a:pPr marL="0" marR="0" lvl="0" indent="0" algn="l" defTabSz="914400" rtl="0" eaLnBrk="1" fontAlgn="auto" latinLnBrk="0" hangingPunct="1">
+              <a:lnSpc>
+                <a:spcPct val="100000"/>
+              </a:lnSpc>
+              <a:spcBef>
+                <a:spcPts val="0"/>
+              </a:spcBef>
+              <a:spcAft>
+                <a:spcPts val="0"/>
+              </a:spcAft>
+              <a:buClrTx/>
+              <a:buSzTx/>
+              <a:buFontTx/>
+              <a:buNone/>
+              <a:tabLst/>
+              <a:defRPr/>
+            </a:pPr>
+            <a:r>
+              <a:rPr lang="en-IN" dirty="0" smtClean="0"/>
+              <a:t>:: Unary operator is used to access constants </a:t>
+            </a:r>
+          </a:p>
+          <a:p>
+            <a:endParaRPr lang="en-IN" dirty="0"/>
+          </a:p>
+        </p:txBody>
+      </p:sp>
+      <p:sp>
+        <p:nvSpPr>
+          <p:cNvPr id="4" name="Slide Number Placeholder 3"/>
+          <p:cNvSpPr>
+            <a:spLocks noGrp="1"/>
+          </p:cNvSpPr>
+          <p:nvPr>
+            <p:ph type="sldNum" sz="quarter" idx="10"/>
+          </p:nvPr>
+        </p:nvSpPr>
+        <p:spPr/>
+        <p:txBody>
+          <a:bodyPr/>
+          <a:lstStyle/>
+          <a:p>
+            <a:fld id="{A7DE893D-CE04-4AD8-B599-89F5B9665D5A}" type="slidenum">
+              <a:rPr lang="en-IN" smtClean="0"/>
+              <a:t>20</a:t>
+            </a:fld>
+            <a:endParaRPr lang="en-IN"/>
+          </a:p>
+        </p:txBody>
+      </p:sp>
+    </p:spTree>
+    <p:extLst>
+      <p:ext uri="{BB962C8B-B14F-4D97-AF65-F5344CB8AC3E}">
+        <p14:creationId xmlns:p14="http://schemas.microsoft.com/office/powerpoint/2010/main" val="3832136494"/>
+      </p:ext>
+    </p:extLst>
+  </p:cSld>
+  <p:clrMapOvr>
+    <a:masterClrMapping/>
+  </p:clrMapOvr>
+</p:notes>
+</file>
+
+<file path=ppt/notesSlides/notesSlide16.xml><?xml version="1.0" encoding="utf-8"?>
+<p:notes xmlns:a="http://schemas.openxmlformats.org/drawingml/2006/main" xmlns:r="http://schemas.openxmlformats.org/officeDocument/2006/relationships" xmlns:p="http://schemas.openxmlformats.org/presentationml/2006/main">
+  <p:cSld>
+    <p:spTree>
+      <p:nvGrpSpPr>
+        <p:cNvPr id="1" name=""/>
+        <p:cNvGrpSpPr/>
+        <p:nvPr/>
+      </p:nvGrpSpPr>
+      <p:grpSpPr>
+        <a:xfrm>
+          <a:off x="0" y="0"/>
+          <a:ext cx="0" cy="0"/>
+          <a:chOff x="0" y="0"/>
+          <a:chExt cx="0" cy="0"/>
+        </a:xfrm>
+      </p:grpSpPr>
+      <p:sp>
+        <p:nvSpPr>
+          <p:cNvPr id="2" name="Slide Image Placeholder 1"/>
+          <p:cNvSpPr>
+            <a:spLocks noGrp="1" noRot="1" noChangeAspect="1"/>
+          </p:cNvSpPr>
+          <p:nvPr>
+            <p:ph type="sldImg"/>
+          </p:nvPr>
+        </p:nvSpPr>
+        <p:spPr/>
+      </p:sp>
+      <p:sp>
+        <p:nvSpPr>
+          <p:cNvPr id="3" name="Notes Placeholder 2"/>
+          <p:cNvSpPr>
+            <a:spLocks noGrp="1"/>
+          </p:cNvSpPr>
+          <p:nvPr>
+            <p:ph type="body" idx="1"/>
+          </p:nvPr>
+        </p:nvSpPr>
+        <p:spPr/>
+        <p:txBody>
+          <a:bodyPr/>
+          <a:lstStyle/>
+          <a:p>
+            <a:r>
+              <a:rPr lang="en-IN" dirty="0" smtClean="0"/>
+              <a:t>Later tell</a:t>
+            </a:r>
+            <a:r>
+              <a:rPr lang="en-IN" baseline="0" dirty="0" smtClean="0"/>
+              <a:t> them inputs to ruby file ARGV</a:t>
+            </a:r>
+          </a:p>
+          <a:p>
+            <a:endParaRPr lang="en-IN" dirty="0"/>
+          </a:p>
+        </p:txBody>
+      </p:sp>
+      <p:sp>
+        <p:nvSpPr>
+          <p:cNvPr id="4" name="Slide Number Placeholder 3"/>
+          <p:cNvSpPr>
+            <a:spLocks noGrp="1"/>
+          </p:cNvSpPr>
+          <p:nvPr>
+            <p:ph type="sldNum" sz="quarter" idx="10"/>
+          </p:nvPr>
+        </p:nvSpPr>
+        <p:spPr/>
+        <p:txBody>
+          <a:bodyPr/>
+          <a:lstStyle/>
+          <a:p>
+            <a:fld id="{A7DE893D-CE04-4AD8-B599-89F5B9665D5A}" type="slidenum">
+              <a:rPr lang="en-IN" smtClean="0"/>
+              <a:t>22</a:t>
+            </a:fld>
+            <a:endParaRPr lang="en-IN"/>
+          </a:p>
+        </p:txBody>
+      </p:sp>
+    </p:spTree>
+    <p:extLst>
+      <p:ext uri="{BB962C8B-B14F-4D97-AF65-F5344CB8AC3E}">
+        <p14:creationId xmlns:p14="http://schemas.microsoft.com/office/powerpoint/2010/main" val="619748842"/>
+      </p:ext>
+    </p:extLst>
+  </p:cSld>
+  <p:clrMapOvr>
+    <a:masterClrMapping/>
+  </p:clrMapOvr>
+</p:notes>
+</file>
+
+<file path=ppt/notesSlides/notesSlide17.xml><?xml version="1.0" encoding="utf-8"?>
+<p:notes xmlns:a="http://schemas.openxmlformats.org/drawingml/2006/main" xmlns:r="http://schemas.openxmlformats.org/officeDocument/2006/relationships" xmlns:p="http://schemas.openxmlformats.org/presentationml/2006/main">
+  <p:cSld>
+    <p:spTree>
+      <p:nvGrpSpPr>
+        <p:cNvPr id="1" name=""/>
+        <p:cNvGrpSpPr/>
+        <p:nvPr/>
+      </p:nvGrpSpPr>
+      <p:grpSpPr>
+        <a:xfrm>
+          <a:off x="0" y="0"/>
+          <a:ext cx="0" cy="0"/>
+          <a:chOff x="0" y="0"/>
+          <a:chExt cx="0" cy="0"/>
+        </a:xfrm>
+      </p:grpSpPr>
+      <p:sp>
+        <p:nvSpPr>
+          <p:cNvPr id="2" name="Slide Image Placeholder 1"/>
+          <p:cNvSpPr>
+            <a:spLocks noGrp="1" noRot="1" noChangeAspect="1"/>
+          </p:cNvSpPr>
+          <p:nvPr>
+            <p:ph type="sldImg"/>
+          </p:nvPr>
+        </p:nvSpPr>
+        <p:spPr/>
+      </p:sp>
+      <p:sp>
+        <p:nvSpPr>
+          <p:cNvPr id="3" name="Notes Placeholder 2"/>
+          <p:cNvSpPr>
+            <a:spLocks noGrp="1"/>
+          </p:cNvSpPr>
+          <p:nvPr>
+            <p:ph type="body" idx="1"/>
+          </p:nvPr>
+        </p:nvSpPr>
+        <p:spPr/>
+        <p:txBody>
+          <a:bodyPr/>
+          <a:lstStyle/>
+          <a:p>
+            <a:endParaRPr lang="en-IN" dirty="0"/>
+          </a:p>
+        </p:txBody>
+      </p:sp>
+      <p:sp>
+        <p:nvSpPr>
+          <p:cNvPr id="4" name="Slide Number Placeholder 3"/>
+          <p:cNvSpPr>
+            <a:spLocks noGrp="1"/>
+          </p:cNvSpPr>
+          <p:nvPr>
+            <p:ph type="sldNum" sz="quarter" idx="10"/>
+          </p:nvPr>
+        </p:nvSpPr>
+        <p:spPr/>
+        <p:txBody>
+          <a:bodyPr/>
+          <a:lstStyle/>
+          <a:p>
+            <a:fld id="{A7DE893D-CE04-4AD8-B599-89F5B9665D5A}" type="slidenum">
+              <a:rPr lang="en-IN" smtClean="0"/>
+              <a:t>23</a:t>
             </a:fld>
             <a:endParaRPr lang="en-IN"/>
           </a:p>
@@ -1977,7 +2270,7 @@
           <a:p>
             <a:fld id="{F270F6ED-6093-46EB-B1EA-0006F862B9FC}" type="datetimeFigureOut">
               <a:rPr lang="en-IN" smtClean="0"/>
-              <a:t>06-03-2018</a:t>
+              <a:t>07-03-2018</a:t>
             </a:fld>
             <a:endParaRPr lang="en-IN"/>
           </a:p>
@@ -2185,7 +2478,7 @@
           <a:p>
             <a:fld id="{F270F6ED-6093-46EB-B1EA-0006F862B9FC}" type="datetimeFigureOut">
               <a:rPr lang="en-IN" smtClean="0"/>
-              <a:t>06-03-2018</a:t>
+              <a:t>07-03-2018</a:t>
             </a:fld>
             <a:endParaRPr lang="en-IN"/>
           </a:p>
@@ -2441,7 +2734,7 @@
           <a:p>
             <a:fld id="{F270F6ED-6093-46EB-B1EA-0006F862B9FC}" type="datetimeFigureOut">
               <a:rPr lang="en-IN" smtClean="0"/>
-              <a:t>06-03-2018</a:t>
+              <a:t>07-03-2018</a:t>
             </a:fld>
             <a:endParaRPr lang="en-IN"/>
           </a:p>
@@ -2615,7 +2908,7 @@
           <a:p>
             <a:fld id="{F270F6ED-6093-46EB-B1EA-0006F862B9FC}" type="datetimeFigureOut">
               <a:rPr lang="en-IN" smtClean="0"/>
-              <a:t>06-03-2018</a:t>
+              <a:t>07-03-2018</a:t>
             </a:fld>
             <a:endParaRPr lang="en-IN"/>
           </a:p>
@@ -2958,7 +3251,7 @@
           <a:p>
             <a:fld id="{F270F6ED-6093-46EB-B1EA-0006F862B9FC}" type="datetimeFigureOut">
               <a:rPr lang="en-IN" smtClean="0"/>
-              <a:t>06-03-2018</a:t>
+              <a:t>07-03-2018</a:t>
             </a:fld>
             <a:endParaRPr lang="en-IN"/>
           </a:p>
@@ -3233,7 +3526,7 @@
           <a:p>
             <a:fld id="{F270F6ED-6093-46EB-B1EA-0006F862B9FC}" type="datetimeFigureOut">
               <a:rPr lang="en-IN" smtClean="0"/>
-              <a:t>06-03-2018</a:t>
+              <a:t>07-03-2018</a:t>
             </a:fld>
             <a:endParaRPr lang="en-IN"/>
           </a:p>
@@ -3612,7 +3905,7 @@
           <a:p>
             <a:fld id="{F270F6ED-6093-46EB-B1EA-0006F862B9FC}" type="datetimeFigureOut">
               <a:rPr lang="en-IN" smtClean="0"/>
-              <a:t>06-03-2018</a:t>
+              <a:t>07-03-2018</a:t>
             </a:fld>
             <a:endParaRPr lang="en-IN"/>
           </a:p>
@@ -3730,7 +4023,7 @@
           <a:p>
             <a:fld id="{F270F6ED-6093-46EB-B1EA-0006F862B9FC}" type="datetimeFigureOut">
               <a:rPr lang="en-IN" smtClean="0"/>
-              <a:t>06-03-2018</a:t>
+              <a:t>07-03-2018</a:t>
             </a:fld>
             <a:endParaRPr lang="en-IN"/>
           </a:p>
@@ -3901,7 +4194,7 @@
           <a:p>
             <a:fld id="{F270F6ED-6093-46EB-B1EA-0006F862B9FC}" type="datetimeFigureOut">
               <a:rPr lang="en-IN" smtClean="0"/>
-              <a:t>06-03-2018</a:t>
+              <a:t>07-03-2018</a:t>
             </a:fld>
             <a:endParaRPr lang="en-IN"/>
           </a:p>
@@ -4255,7 +4548,7 @@
           <a:p>
             <a:fld id="{F270F6ED-6093-46EB-B1EA-0006F862B9FC}" type="datetimeFigureOut">
               <a:rPr lang="en-IN" smtClean="0"/>
-              <a:t>06-03-2018</a:t>
+              <a:t>07-03-2018</a:t>
             </a:fld>
             <a:endParaRPr lang="en-IN"/>
           </a:p>
@@ -4637,7 +4930,7 @@
           <a:p>
             <a:fld id="{F270F6ED-6093-46EB-B1EA-0006F862B9FC}" type="datetimeFigureOut">
               <a:rPr lang="en-IN" smtClean="0"/>
-              <a:t>06-03-2018</a:t>
+              <a:t>07-03-2018</a:t>
             </a:fld>
             <a:endParaRPr lang="en-IN"/>
           </a:p>
@@ -4924,7 +5217,7 @@
           <a:p>
             <a:fld id="{F270F6ED-6093-46EB-B1EA-0006F862B9FC}" type="datetimeFigureOut">
               <a:rPr lang="en-IN" smtClean="0"/>
-              <a:t>06-03-2018</a:t>
+              <a:t>07-03-2018</a:t>
             </a:fld>
             <a:endParaRPr lang="en-IN"/>
           </a:p>
@@ -7086,11 +7379,7 @@
           <a:p>
             <a:r>
               <a:rPr lang="en-IN" dirty="0" smtClean="0"/>
-              <a:t>Exponents </a:t>
-            </a:r>
-            <a:r>
-              <a:rPr lang="en-IN" dirty="0" smtClean="0"/>
-              <a:t>**</a:t>
+              <a:t>Exponents **</a:t>
             </a:r>
           </a:p>
         </p:txBody>
@@ -7149,6 +7438,2189 @@
           <a:p>
             <a:r>
               <a:rPr lang="en-IN" dirty="0" smtClean="0"/>
+              <a:t>Comparison Operations</a:t>
+            </a:r>
+            <a:endParaRPr lang="en-IN" dirty="0"/>
+          </a:p>
+        </p:txBody>
+      </p:sp>
+      <p:graphicFrame>
+        <p:nvGraphicFramePr>
+          <p:cNvPr id="6" name="Content Placeholder 5"/>
+          <p:cNvGraphicFramePr>
+            <a:graphicFrameLocks noGrp="1"/>
+          </p:cNvGraphicFramePr>
+          <p:nvPr>
+            <p:ph idx="1"/>
+            <p:extLst>
+              <p:ext uri="{D42A27DB-BD31-4B8C-83A1-F6EECF244321}">
+                <p14:modId xmlns:p14="http://schemas.microsoft.com/office/powerpoint/2010/main" val="2976917863"/>
+              </p:ext>
+            </p:extLst>
+          </p:nvPr>
+        </p:nvGraphicFramePr>
+        <p:xfrm>
+          <a:off x="1096963" y="1846263"/>
+          <a:ext cx="3855047" cy="2595880"/>
+        </p:xfrm>
+        <a:graphic>
+          <a:graphicData uri="http://schemas.openxmlformats.org/drawingml/2006/table">
+            <a:tbl>
+              <a:tblPr firstRow="1" bandRow="1">
+                <a:tableStyleId>{5C22544A-7EE6-4342-B048-85BDC9FD1C3A}</a:tableStyleId>
+              </a:tblPr>
+              <a:tblGrid>
+                <a:gridCol w="3285032">
+                  <a:extLst>
+                    <a:ext uri="{9D8B030D-6E8A-4147-A177-3AD203B41FA5}">
+                      <a16:colId xmlns:a16="http://schemas.microsoft.com/office/drawing/2014/main" val="3689397144"/>
+                    </a:ext>
+                  </a:extLst>
+                </a:gridCol>
+                <a:gridCol w="570015">
+                  <a:extLst>
+                    <a:ext uri="{9D8B030D-6E8A-4147-A177-3AD203B41FA5}">
+                      <a16:colId xmlns:a16="http://schemas.microsoft.com/office/drawing/2014/main" val="2637855205"/>
+                    </a:ext>
+                  </a:extLst>
+                </a:gridCol>
+              </a:tblGrid>
+              <a:tr h="370840">
+                <a:tc>
+                  <a:txBody>
+                    <a:bodyPr/>
+                    <a:lstStyle/>
+                    <a:p>
+                      <a:r>
+                        <a:rPr lang="en-IN" b="0" dirty="0" smtClean="0">
+                          <a:solidFill>
+                            <a:schemeClr val="tx1"/>
+                          </a:solidFill>
+                        </a:rPr>
+                        <a:t>Equal</a:t>
+                      </a:r>
+                      <a:endParaRPr lang="en-IN" b="0" dirty="0">
+                        <a:solidFill>
+                          <a:schemeClr val="tx1"/>
+                        </a:solidFill>
+                      </a:endParaRPr>
+                    </a:p>
+                  </a:txBody>
+                  <a:tcPr>
+                    <a:lnL w="12700" cap="flat" cmpd="sng" algn="ctr">
+                      <a:solidFill>
+                        <a:schemeClr val="tx1"/>
+                      </a:solidFill>
+                      <a:prstDash val="solid"/>
+                      <a:round/>
+                      <a:headEnd type="none" w="med" len="med"/>
+                      <a:tailEnd type="none" w="med" len="med"/>
+                    </a:lnL>
+                    <a:lnR w="12700" cap="flat" cmpd="sng" algn="ctr">
+                      <a:solidFill>
+                        <a:schemeClr val="tx1"/>
+                      </a:solidFill>
+                      <a:prstDash val="solid"/>
+                      <a:round/>
+                      <a:headEnd type="none" w="med" len="med"/>
+                      <a:tailEnd type="none" w="med" len="med"/>
+                    </a:lnR>
+                    <a:lnT w="12700" cap="flat" cmpd="sng" algn="ctr">
+                      <a:solidFill>
+                        <a:schemeClr val="tx1"/>
+                      </a:solidFill>
+                      <a:prstDash val="solid"/>
+                      <a:round/>
+                      <a:headEnd type="none" w="med" len="med"/>
+                      <a:tailEnd type="none" w="med" len="med"/>
+                    </a:lnT>
+                    <a:lnB w="12700" cap="flat" cmpd="sng" algn="ctr">
+                      <a:solidFill>
+                        <a:schemeClr val="tx1"/>
+                      </a:solidFill>
+                      <a:prstDash val="solid"/>
+                      <a:round/>
+                      <a:headEnd type="none" w="med" len="med"/>
+                      <a:tailEnd type="none" w="med" len="med"/>
+                    </a:lnB>
+                    <a:lnTlToBr w="12700" cmpd="sng">
+                      <a:noFill/>
+                      <a:prstDash val="solid"/>
+                    </a:lnTlToBr>
+                    <a:lnBlToTr w="12700" cmpd="sng">
+                      <a:noFill/>
+                      <a:prstDash val="solid"/>
+                    </a:lnBlToTr>
+                    <a:solidFill>
+                      <a:schemeClr val="bg1"/>
+                    </a:solidFill>
+                  </a:tcPr>
+                </a:tc>
+                <a:tc>
+                  <a:txBody>
+                    <a:bodyPr/>
+                    <a:lstStyle/>
+                    <a:p>
+                      <a:r>
+                        <a:rPr lang="en-IN" dirty="0" smtClean="0">
+                          <a:solidFill>
+                            <a:schemeClr val="tx1"/>
+                          </a:solidFill>
+                        </a:rPr>
+                        <a:t> ==</a:t>
+                      </a:r>
+                      <a:endParaRPr lang="en-IN" dirty="0">
+                        <a:solidFill>
+                          <a:schemeClr val="tx1"/>
+                        </a:solidFill>
+                      </a:endParaRPr>
+                    </a:p>
+                  </a:txBody>
+                  <a:tcPr>
+                    <a:lnL w="12700" cap="flat" cmpd="sng" algn="ctr">
+                      <a:solidFill>
+                        <a:schemeClr val="tx1"/>
+                      </a:solidFill>
+                      <a:prstDash val="solid"/>
+                      <a:round/>
+                      <a:headEnd type="none" w="med" len="med"/>
+                      <a:tailEnd type="none" w="med" len="med"/>
+                    </a:lnL>
+                    <a:lnR w="12700" cap="flat" cmpd="sng" algn="ctr">
+                      <a:solidFill>
+                        <a:schemeClr val="tx1"/>
+                      </a:solidFill>
+                      <a:prstDash val="solid"/>
+                      <a:round/>
+                      <a:headEnd type="none" w="med" len="med"/>
+                      <a:tailEnd type="none" w="med" len="med"/>
+                    </a:lnR>
+                    <a:lnT w="12700" cap="flat" cmpd="sng" algn="ctr">
+                      <a:solidFill>
+                        <a:schemeClr val="tx1"/>
+                      </a:solidFill>
+                      <a:prstDash val="solid"/>
+                      <a:round/>
+                      <a:headEnd type="none" w="med" len="med"/>
+                      <a:tailEnd type="none" w="med" len="med"/>
+                    </a:lnT>
+                    <a:lnB w="12700" cap="flat" cmpd="sng" algn="ctr">
+                      <a:solidFill>
+                        <a:schemeClr val="tx1"/>
+                      </a:solidFill>
+                      <a:prstDash val="solid"/>
+                      <a:round/>
+                      <a:headEnd type="none" w="med" len="med"/>
+                      <a:tailEnd type="none" w="med" len="med"/>
+                    </a:lnB>
+                    <a:lnTlToBr w="12700" cmpd="sng">
+                      <a:noFill/>
+                      <a:prstDash val="solid"/>
+                    </a:lnTlToBr>
+                    <a:lnBlToTr w="12700" cmpd="sng">
+                      <a:noFill/>
+                      <a:prstDash val="solid"/>
+                    </a:lnBlToTr>
+                    <a:solidFill>
+                      <a:schemeClr val="bg1"/>
+                    </a:solidFill>
+                  </a:tcPr>
+                </a:tc>
+                <a:extLst>
+                  <a:ext uri="{0D108BD9-81ED-4DB2-BD59-A6C34878D82A}">
+                    <a16:rowId xmlns:a16="http://schemas.microsoft.com/office/drawing/2014/main" val="2299769766"/>
+                  </a:ext>
+                </a:extLst>
+              </a:tr>
+              <a:tr h="370840">
+                <a:tc>
+                  <a:txBody>
+                    <a:bodyPr/>
+                    <a:lstStyle/>
+                    <a:p>
+                      <a:r>
+                        <a:rPr lang="en-IN" dirty="0" smtClean="0">
+                          <a:solidFill>
+                            <a:schemeClr val="tx1"/>
+                          </a:solidFill>
+                        </a:rPr>
+                        <a:t>Not</a:t>
+                      </a:r>
+                      <a:r>
+                        <a:rPr lang="en-IN" baseline="0" dirty="0" smtClean="0">
+                          <a:solidFill>
+                            <a:schemeClr val="tx1"/>
+                          </a:solidFill>
+                        </a:rPr>
+                        <a:t> Equal</a:t>
+                      </a:r>
+                      <a:endParaRPr lang="en-IN" dirty="0">
+                        <a:solidFill>
+                          <a:schemeClr val="tx1"/>
+                        </a:solidFill>
+                      </a:endParaRPr>
+                    </a:p>
+                  </a:txBody>
+                  <a:tcPr>
+                    <a:lnL w="12700" cap="flat" cmpd="sng" algn="ctr">
+                      <a:solidFill>
+                        <a:schemeClr val="tx1"/>
+                      </a:solidFill>
+                      <a:prstDash val="solid"/>
+                      <a:round/>
+                      <a:headEnd type="none" w="med" len="med"/>
+                      <a:tailEnd type="none" w="med" len="med"/>
+                    </a:lnL>
+                    <a:lnR w="12700" cap="flat" cmpd="sng" algn="ctr">
+                      <a:solidFill>
+                        <a:schemeClr val="tx1"/>
+                      </a:solidFill>
+                      <a:prstDash val="solid"/>
+                      <a:round/>
+                      <a:headEnd type="none" w="med" len="med"/>
+                      <a:tailEnd type="none" w="med" len="med"/>
+                    </a:lnR>
+                    <a:lnT w="12700" cap="flat" cmpd="sng" algn="ctr">
+                      <a:solidFill>
+                        <a:schemeClr val="tx1"/>
+                      </a:solidFill>
+                      <a:prstDash val="solid"/>
+                      <a:round/>
+                      <a:headEnd type="none" w="med" len="med"/>
+                      <a:tailEnd type="none" w="med" len="med"/>
+                    </a:lnT>
+                    <a:lnB w="12700" cap="flat" cmpd="sng" algn="ctr">
+                      <a:solidFill>
+                        <a:schemeClr val="tx1"/>
+                      </a:solidFill>
+                      <a:prstDash val="solid"/>
+                      <a:round/>
+                      <a:headEnd type="none" w="med" len="med"/>
+                      <a:tailEnd type="none" w="med" len="med"/>
+                    </a:lnB>
+                    <a:lnTlToBr w="12700" cmpd="sng">
+                      <a:noFill/>
+                      <a:prstDash val="solid"/>
+                    </a:lnTlToBr>
+                    <a:lnBlToTr w="12700" cmpd="sng">
+                      <a:noFill/>
+                      <a:prstDash val="solid"/>
+                    </a:lnBlToTr>
+                    <a:solidFill>
+                      <a:schemeClr val="bg1"/>
+                    </a:solidFill>
+                  </a:tcPr>
+                </a:tc>
+                <a:tc>
+                  <a:txBody>
+                    <a:bodyPr/>
+                    <a:lstStyle/>
+                    <a:p>
+                      <a:r>
+                        <a:rPr lang="en-IN" b="1" dirty="0" smtClean="0">
+                          <a:solidFill>
+                            <a:schemeClr val="tx1"/>
+                          </a:solidFill>
+                        </a:rPr>
+                        <a:t>!=</a:t>
+                      </a:r>
+                      <a:endParaRPr lang="en-IN" b="1" dirty="0">
+                        <a:solidFill>
+                          <a:schemeClr val="tx1"/>
+                        </a:solidFill>
+                      </a:endParaRPr>
+                    </a:p>
+                  </a:txBody>
+                  <a:tcPr>
+                    <a:lnL w="12700" cap="flat" cmpd="sng" algn="ctr">
+                      <a:solidFill>
+                        <a:schemeClr val="tx1"/>
+                      </a:solidFill>
+                      <a:prstDash val="solid"/>
+                      <a:round/>
+                      <a:headEnd type="none" w="med" len="med"/>
+                      <a:tailEnd type="none" w="med" len="med"/>
+                    </a:lnL>
+                    <a:lnR w="12700" cap="flat" cmpd="sng" algn="ctr">
+                      <a:solidFill>
+                        <a:schemeClr val="tx1"/>
+                      </a:solidFill>
+                      <a:prstDash val="solid"/>
+                      <a:round/>
+                      <a:headEnd type="none" w="med" len="med"/>
+                      <a:tailEnd type="none" w="med" len="med"/>
+                    </a:lnR>
+                    <a:lnT w="12700" cap="flat" cmpd="sng" algn="ctr">
+                      <a:solidFill>
+                        <a:schemeClr val="tx1"/>
+                      </a:solidFill>
+                      <a:prstDash val="solid"/>
+                      <a:round/>
+                      <a:headEnd type="none" w="med" len="med"/>
+                      <a:tailEnd type="none" w="med" len="med"/>
+                    </a:lnT>
+                    <a:lnB w="12700" cap="flat" cmpd="sng" algn="ctr">
+                      <a:solidFill>
+                        <a:schemeClr val="tx1"/>
+                      </a:solidFill>
+                      <a:prstDash val="solid"/>
+                      <a:round/>
+                      <a:headEnd type="none" w="med" len="med"/>
+                      <a:tailEnd type="none" w="med" len="med"/>
+                    </a:lnB>
+                    <a:lnTlToBr w="12700" cmpd="sng">
+                      <a:noFill/>
+                      <a:prstDash val="solid"/>
+                    </a:lnTlToBr>
+                    <a:lnBlToTr w="12700" cmpd="sng">
+                      <a:noFill/>
+                      <a:prstDash val="solid"/>
+                    </a:lnBlToTr>
+                    <a:solidFill>
+                      <a:schemeClr val="bg1"/>
+                    </a:solidFill>
+                  </a:tcPr>
+                </a:tc>
+                <a:extLst>
+                  <a:ext uri="{0D108BD9-81ED-4DB2-BD59-A6C34878D82A}">
+                    <a16:rowId xmlns:a16="http://schemas.microsoft.com/office/drawing/2014/main" val="4220210903"/>
+                  </a:ext>
+                </a:extLst>
+              </a:tr>
+              <a:tr h="370840">
+                <a:tc>
+                  <a:txBody>
+                    <a:bodyPr/>
+                    <a:lstStyle/>
+                    <a:p>
+                      <a:r>
+                        <a:rPr lang="en-IN" dirty="0" smtClean="0">
+                          <a:solidFill>
+                            <a:schemeClr val="tx1"/>
+                          </a:solidFill>
+                        </a:rPr>
+                        <a:t>Greater</a:t>
+                      </a:r>
+                      <a:r>
+                        <a:rPr lang="en-IN" baseline="0" dirty="0" smtClean="0">
+                          <a:solidFill>
+                            <a:schemeClr val="tx1"/>
+                          </a:solidFill>
+                        </a:rPr>
+                        <a:t> than</a:t>
+                      </a:r>
+                      <a:endParaRPr lang="en-IN" dirty="0">
+                        <a:solidFill>
+                          <a:schemeClr val="tx1"/>
+                        </a:solidFill>
+                      </a:endParaRPr>
+                    </a:p>
+                  </a:txBody>
+                  <a:tcPr>
+                    <a:lnL w="12700" cap="flat" cmpd="sng" algn="ctr">
+                      <a:solidFill>
+                        <a:schemeClr val="tx1"/>
+                      </a:solidFill>
+                      <a:prstDash val="solid"/>
+                      <a:round/>
+                      <a:headEnd type="none" w="med" len="med"/>
+                      <a:tailEnd type="none" w="med" len="med"/>
+                    </a:lnL>
+                    <a:lnR w="12700" cap="flat" cmpd="sng" algn="ctr">
+                      <a:solidFill>
+                        <a:schemeClr val="tx1"/>
+                      </a:solidFill>
+                      <a:prstDash val="solid"/>
+                      <a:round/>
+                      <a:headEnd type="none" w="med" len="med"/>
+                      <a:tailEnd type="none" w="med" len="med"/>
+                    </a:lnR>
+                    <a:lnT w="12700" cap="flat" cmpd="sng" algn="ctr">
+                      <a:solidFill>
+                        <a:schemeClr val="tx1"/>
+                      </a:solidFill>
+                      <a:prstDash val="solid"/>
+                      <a:round/>
+                      <a:headEnd type="none" w="med" len="med"/>
+                      <a:tailEnd type="none" w="med" len="med"/>
+                    </a:lnT>
+                    <a:lnB w="12700" cap="flat" cmpd="sng" algn="ctr">
+                      <a:solidFill>
+                        <a:schemeClr val="tx1"/>
+                      </a:solidFill>
+                      <a:prstDash val="solid"/>
+                      <a:round/>
+                      <a:headEnd type="none" w="med" len="med"/>
+                      <a:tailEnd type="none" w="med" len="med"/>
+                    </a:lnB>
+                    <a:lnTlToBr w="12700" cmpd="sng">
+                      <a:noFill/>
+                      <a:prstDash val="solid"/>
+                    </a:lnTlToBr>
+                    <a:lnBlToTr w="12700" cmpd="sng">
+                      <a:noFill/>
+                      <a:prstDash val="solid"/>
+                    </a:lnBlToTr>
+                    <a:solidFill>
+                      <a:schemeClr val="bg1"/>
+                    </a:solidFill>
+                  </a:tcPr>
+                </a:tc>
+                <a:tc>
+                  <a:txBody>
+                    <a:bodyPr/>
+                    <a:lstStyle/>
+                    <a:p>
+                      <a:r>
+                        <a:rPr lang="en-IN" b="1" dirty="0" smtClean="0">
+                          <a:solidFill>
+                            <a:schemeClr val="tx1"/>
+                          </a:solidFill>
+                        </a:rPr>
+                        <a:t>&gt;</a:t>
+                      </a:r>
+                      <a:endParaRPr lang="en-IN" b="1" dirty="0">
+                        <a:solidFill>
+                          <a:schemeClr val="tx1"/>
+                        </a:solidFill>
+                      </a:endParaRPr>
+                    </a:p>
+                  </a:txBody>
+                  <a:tcPr>
+                    <a:lnL w="12700" cap="flat" cmpd="sng" algn="ctr">
+                      <a:solidFill>
+                        <a:schemeClr val="tx1"/>
+                      </a:solidFill>
+                      <a:prstDash val="solid"/>
+                      <a:round/>
+                      <a:headEnd type="none" w="med" len="med"/>
+                      <a:tailEnd type="none" w="med" len="med"/>
+                    </a:lnL>
+                    <a:lnR w="12700" cap="flat" cmpd="sng" algn="ctr">
+                      <a:solidFill>
+                        <a:schemeClr val="tx1"/>
+                      </a:solidFill>
+                      <a:prstDash val="solid"/>
+                      <a:round/>
+                      <a:headEnd type="none" w="med" len="med"/>
+                      <a:tailEnd type="none" w="med" len="med"/>
+                    </a:lnR>
+                    <a:lnT w="12700" cap="flat" cmpd="sng" algn="ctr">
+                      <a:solidFill>
+                        <a:schemeClr val="tx1"/>
+                      </a:solidFill>
+                      <a:prstDash val="solid"/>
+                      <a:round/>
+                      <a:headEnd type="none" w="med" len="med"/>
+                      <a:tailEnd type="none" w="med" len="med"/>
+                    </a:lnT>
+                    <a:lnB w="12700" cap="flat" cmpd="sng" algn="ctr">
+                      <a:solidFill>
+                        <a:schemeClr val="tx1"/>
+                      </a:solidFill>
+                      <a:prstDash val="solid"/>
+                      <a:round/>
+                      <a:headEnd type="none" w="med" len="med"/>
+                      <a:tailEnd type="none" w="med" len="med"/>
+                    </a:lnB>
+                    <a:lnTlToBr w="12700" cmpd="sng">
+                      <a:noFill/>
+                      <a:prstDash val="solid"/>
+                    </a:lnTlToBr>
+                    <a:lnBlToTr w="12700" cmpd="sng">
+                      <a:noFill/>
+                      <a:prstDash val="solid"/>
+                    </a:lnBlToTr>
+                    <a:solidFill>
+                      <a:schemeClr val="bg1"/>
+                    </a:solidFill>
+                  </a:tcPr>
+                </a:tc>
+                <a:extLst>
+                  <a:ext uri="{0D108BD9-81ED-4DB2-BD59-A6C34878D82A}">
+                    <a16:rowId xmlns:a16="http://schemas.microsoft.com/office/drawing/2014/main" val="4282087179"/>
+                  </a:ext>
+                </a:extLst>
+              </a:tr>
+              <a:tr h="370840">
+                <a:tc>
+                  <a:txBody>
+                    <a:bodyPr/>
+                    <a:lstStyle/>
+                    <a:p>
+                      <a:r>
+                        <a:rPr lang="en-IN" dirty="0" smtClean="0">
+                          <a:solidFill>
+                            <a:schemeClr val="tx1"/>
+                          </a:solidFill>
+                        </a:rPr>
+                        <a:t>Less than</a:t>
+                      </a:r>
+                      <a:endParaRPr lang="en-IN" dirty="0">
+                        <a:solidFill>
+                          <a:schemeClr val="tx1"/>
+                        </a:solidFill>
+                      </a:endParaRPr>
+                    </a:p>
+                  </a:txBody>
+                  <a:tcPr>
+                    <a:lnL w="12700" cap="flat" cmpd="sng" algn="ctr">
+                      <a:solidFill>
+                        <a:schemeClr val="tx1"/>
+                      </a:solidFill>
+                      <a:prstDash val="solid"/>
+                      <a:round/>
+                      <a:headEnd type="none" w="med" len="med"/>
+                      <a:tailEnd type="none" w="med" len="med"/>
+                    </a:lnL>
+                    <a:lnR w="12700" cap="flat" cmpd="sng" algn="ctr">
+                      <a:solidFill>
+                        <a:schemeClr val="tx1"/>
+                      </a:solidFill>
+                      <a:prstDash val="solid"/>
+                      <a:round/>
+                      <a:headEnd type="none" w="med" len="med"/>
+                      <a:tailEnd type="none" w="med" len="med"/>
+                    </a:lnR>
+                    <a:lnT w="12700" cap="flat" cmpd="sng" algn="ctr">
+                      <a:solidFill>
+                        <a:schemeClr val="tx1"/>
+                      </a:solidFill>
+                      <a:prstDash val="solid"/>
+                      <a:round/>
+                      <a:headEnd type="none" w="med" len="med"/>
+                      <a:tailEnd type="none" w="med" len="med"/>
+                    </a:lnT>
+                    <a:lnB w="12700" cap="flat" cmpd="sng" algn="ctr">
+                      <a:solidFill>
+                        <a:schemeClr val="tx1"/>
+                      </a:solidFill>
+                      <a:prstDash val="solid"/>
+                      <a:round/>
+                      <a:headEnd type="none" w="med" len="med"/>
+                      <a:tailEnd type="none" w="med" len="med"/>
+                    </a:lnB>
+                    <a:lnTlToBr w="12700" cmpd="sng">
+                      <a:noFill/>
+                      <a:prstDash val="solid"/>
+                    </a:lnTlToBr>
+                    <a:lnBlToTr w="12700" cmpd="sng">
+                      <a:noFill/>
+                      <a:prstDash val="solid"/>
+                    </a:lnBlToTr>
+                    <a:solidFill>
+                      <a:schemeClr val="bg1"/>
+                    </a:solidFill>
+                  </a:tcPr>
+                </a:tc>
+                <a:tc>
+                  <a:txBody>
+                    <a:bodyPr/>
+                    <a:lstStyle/>
+                    <a:p>
+                      <a:r>
+                        <a:rPr lang="en-IN" b="1" dirty="0" smtClean="0">
+                          <a:solidFill>
+                            <a:schemeClr val="tx1"/>
+                          </a:solidFill>
+                        </a:rPr>
+                        <a:t>&lt;</a:t>
+                      </a:r>
+                      <a:endParaRPr lang="en-IN" b="1" dirty="0">
+                        <a:solidFill>
+                          <a:schemeClr val="tx1"/>
+                        </a:solidFill>
+                      </a:endParaRPr>
+                    </a:p>
+                  </a:txBody>
+                  <a:tcPr>
+                    <a:lnL w="12700" cap="flat" cmpd="sng" algn="ctr">
+                      <a:solidFill>
+                        <a:schemeClr val="tx1"/>
+                      </a:solidFill>
+                      <a:prstDash val="solid"/>
+                      <a:round/>
+                      <a:headEnd type="none" w="med" len="med"/>
+                      <a:tailEnd type="none" w="med" len="med"/>
+                    </a:lnL>
+                    <a:lnR w="12700" cap="flat" cmpd="sng" algn="ctr">
+                      <a:solidFill>
+                        <a:schemeClr val="tx1"/>
+                      </a:solidFill>
+                      <a:prstDash val="solid"/>
+                      <a:round/>
+                      <a:headEnd type="none" w="med" len="med"/>
+                      <a:tailEnd type="none" w="med" len="med"/>
+                    </a:lnR>
+                    <a:lnT w="12700" cap="flat" cmpd="sng" algn="ctr">
+                      <a:solidFill>
+                        <a:schemeClr val="tx1"/>
+                      </a:solidFill>
+                      <a:prstDash val="solid"/>
+                      <a:round/>
+                      <a:headEnd type="none" w="med" len="med"/>
+                      <a:tailEnd type="none" w="med" len="med"/>
+                    </a:lnT>
+                    <a:lnB w="12700" cap="flat" cmpd="sng" algn="ctr">
+                      <a:solidFill>
+                        <a:schemeClr val="tx1"/>
+                      </a:solidFill>
+                      <a:prstDash val="solid"/>
+                      <a:round/>
+                      <a:headEnd type="none" w="med" len="med"/>
+                      <a:tailEnd type="none" w="med" len="med"/>
+                    </a:lnB>
+                    <a:lnTlToBr w="12700" cmpd="sng">
+                      <a:noFill/>
+                      <a:prstDash val="solid"/>
+                    </a:lnTlToBr>
+                    <a:lnBlToTr w="12700" cmpd="sng">
+                      <a:noFill/>
+                      <a:prstDash val="solid"/>
+                    </a:lnBlToTr>
+                    <a:solidFill>
+                      <a:schemeClr val="bg1"/>
+                    </a:solidFill>
+                  </a:tcPr>
+                </a:tc>
+                <a:extLst>
+                  <a:ext uri="{0D108BD9-81ED-4DB2-BD59-A6C34878D82A}">
+                    <a16:rowId xmlns:a16="http://schemas.microsoft.com/office/drawing/2014/main" val="456001953"/>
+                  </a:ext>
+                </a:extLst>
+              </a:tr>
+              <a:tr h="370840">
+                <a:tc>
+                  <a:txBody>
+                    <a:bodyPr/>
+                    <a:lstStyle/>
+                    <a:p>
+                      <a:r>
+                        <a:rPr lang="en-IN" dirty="0" smtClean="0">
+                          <a:solidFill>
+                            <a:schemeClr val="tx1"/>
+                          </a:solidFill>
+                        </a:rPr>
+                        <a:t>Greater</a:t>
+                      </a:r>
+                      <a:r>
+                        <a:rPr lang="en-IN" baseline="0" dirty="0" smtClean="0">
+                          <a:solidFill>
+                            <a:schemeClr val="tx1"/>
+                          </a:solidFill>
+                        </a:rPr>
+                        <a:t> than or equal to </a:t>
+                      </a:r>
+                      <a:endParaRPr lang="en-IN" dirty="0">
+                        <a:solidFill>
+                          <a:schemeClr val="tx1"/>
+                        </a:solidFill>
+                      </a:endParaRPr>
+                    </a:p>
+                  </a:txBody>
+                  <a:tcPr>
+                    <a:lnL w="12700" cap="flat" cmpd="sng" algn="ctr">
+                      <a:solidFill>
+                        <a:schemeClr val="tx1"/>
+                      </a:solidFill>
+                      <a:prstDash val="solid"/>
+                      <a:round/>
+                      <a:headEnd type="none" w="med" len="med"/>
+                      <a:tailEnd type="none" w="med" len="med"/>
+                    </a:lnL>
+                    <a:lnR w="12700" cap="flat" cmpd="sng" algn="ctr">
+                      <a:solidFill>
+                        <a:schemeClr val="tx1"/>
+                      </a:solidFill>
+                      <a:prstDash val="solid"/>
+                      <a:round/>
+                      <a:headEnd type="none" w="med" len="med"/>
+                      <a:tailEnd type="none" w="med" len="med"/>
+                    </a:lnR>
+                    <a:lnT w="12700" cap="flat" cmpd="sng" algn="ctr">
+                      <a:solidFill>
+                        <a:schemeClr val="tx1"/>
+                      </a:solidFill>
+                      <a:prstDash val="solid"/>
+                      <a:round/>
+                      <a:headEnd type="none" w="med" len="med"/>
+                      <a:tailEnd type="none" w="med" len="med"/>
+                    </a:lnT>
+                    <a:lnB w="12700" cap="flat" cmpd="sng" algn="ctr">
+                      <a:solidFill>
+                        <a:schemeClr val="tx1"/>
+                      </a:solidFill>
+                      <a:prstDash val="solid"/>
+                      <a:round/>
+                      <a:headEnd type="none" w="med" len="med"/>
+                      <a:tailEnd type="none" w="med" len="med"/>
+                    </a:lnB>
+                    <a:lnTlToBr w="12700" cmpd="sng">
+                      <a:noFill/>
+                      <a:prstDash val="solid"/>
+                    </a:lnTlToBr>
+                    <a:lnBlToTr w="12700" cmpd="sng">
+                      <a:noFill/>
+                      <a:prstDash val="solid"/>
+                    </a:lnBlToTr>
+                    <a:solidFill>
+                      <a:schemeClr val="bg1"/>
+                    </a:solidFill>
+                  </a:tcPr>
+                </a:tc>
+                <a:tc>
+                  <a:txBody>
+                    <a:bodyPr/>
+                    <a:lstStyle/>
+                    <a:p>
+                      <a:r>
+                        <a:rPr lang="en-IN" b="1" dirty="0" smtClean="0">
+                          <a:solidFill>
+                            <a:schemeClr val="tx1"/>
+                          </a:solidFill>
+                        </a:rPr>
+                        <a:t>&gt;=</a:t>
+                      </a:r>
+                      <a:endParaRPr lang="en-IN" b="1" dirty="0">
+                        <a:solidFill>
+                          <a:schemeClr val="tx1"/>
+                        </a:solidFill>
+                      </a:endParaRPr>
+                    </a:p>
+                  </a:txBody>
+                  <a:tcPr>
+                    <a:lnL w="12700" cap="flat" cmpd="sng" algn="ctr">
+                      <a:solidFill>
+                        <a:schemeClr val="tx1"/>
+                      </a:solidFill>
+                      <a:prstDash val="solid"/>
+                      <a:round/>
+                      <a:headEnd type="none" w="med" len="med"/>
+                      <a:tailEnd type="none" w="med" len="med"/>
+                    </a:lnL>
+                    <a:lnR w="12700" cap="flat" cmpd="sng" algn="ctr">
+                      <a:solidFill>
+                        <a:schemeClr val="tx1"/>
+                      </a:solidFill>
+                      <a:prstDash val="solid"/>
+                      <a:round/>
+                      <a:headEnd type="none" w="med" len="med"/>
+                      <a:tailEnd type="none" w="med" len="med"/>
+                    </a:lnR>
+                    <a:lnT w="12700" cap="flat" cmpd="sng" algn="ctr">
+                      <a:solidFill>
+                        <a:schemeClr val="tx1"/>
+                      </a:solidFill>
+                      <a:prstDash val="solid"/>
+                      <a:round/>
+                      <a:headEnd type="none" w="med" len="med"/>
+                      <a:tailEnd type="none" w="med" len="med"/>
+                    </a:lnT>
+                    <a:lnB w="12700" cap="flat" cmpd="sng" algn="ctr">
+                      <a:solidFill>
+                        <a:schemeClr val="tx1"/>
+                      </a:solidFill>
+                      <a:prstDash val="solid"/>
+                      <a:round/>
+                      <a:headEnd type="none" w="med" len="med"/>
+                      <a:tailEnd type="none" w="med" len="med"/>
+                    </a:lnB>
+                    <a:lnTlToBr w="12700" cmpd="sng">
+                      <a:noFill/>
+                      <a:prstDash val="solid"/>
+                    </a:lnTlToBr>
+                    <a:lnBlToTr w="12700" cmpd="sng">
+                      <a:noFill/>
+                      <a:prstDash val="solid"/>
+                    </a:lnBlToTr>
+                    <a:solidFill>
+                      <a:schemeClr val="bg1"/>
+                    </a:solidFill>
+                  </a:tcPr>
+                </a:tc>
+                <a:extLst>
+                  <a:ext uri="{0D108BD9-81ED-4DB2-BD59-A6C34878D82A}">
+                    <a16:rowId xmlns:a16="http://schemas.microsoft.com/office/drawing/2014/main" val="3610834190"/>
+                  </a:ext>
+                </a:extLst>
+              </a:tr>
+              <a:tr h="370840">
+                <a:tc>
+                  <a:txBody>
+                    <a:bodyPr/>
+                    <a:lstStyle/>
+                    <a:p>
+                      <a:pPr marL="0" marR="0" lvl="0" indent="0" algn="l" defTabSz="914400" rtl="0" eaLnBrk="1" fontAlgn="auto" latinLnBrk="0" hangingPunct="1">
+                        <a:lnSpc>
+                          <a:spcPct val="100000"/>
+                        </a:lnSpc>
+                        <a:spcBef>
+                          <a:spcPts val="0"/>
+                        </a:spcBef>
+                        <a:spcAft>
+                          <a:spcPts val="0"/>
+                        </a:spcAft>
+                        <a:buClrTx/>
+                        <a:buSzTx/>
+                        <a:buFontTx/>
+                        <a:buNone/>
+                        <a:tabLst/>
+                        <a:defRPr/>
+                      </a:pPr>
+                      <a:r>
+                        <a:rPr lang="en-IN" baseline="0" dirty="0" smtClean="0">
+                          <a:solidFill>
+                            <a:schemeClr val="tx1"/>
+                          </a:solidFill>
+                        </a:rPr>
+                        <a:t>Less than or equal to </a:t>
+                      </a:r>
+                      <a:endParaRPr lang="en-IN" dirty="0" smtClean="0">
+                        <a:solidFill>
+                          <a:schemeClr val="tx1"/>
+                        </a:solidFill>
+                      </a:endParaRPr>
+                    </a:p>
+                  </a:txBody>
+                  <a:tcPr>
+                    <a:lnL w="12700" cap="flat" cmpd="sng" algn="ctr">
+                      <a:solidFill>
+                        <a:schemeClr val="tx1"/>
+                      </a:solidFill>
+                      <a:prstDash val="solid"/>
+                      <a:round/>
+                      <a:headEnd type="none" w="med" len="med"/>
+                      <a:tailEnd type="none" w="med" len="med"/>
+                    </a:lnL>
+                    <a:lnR w="12700" cap="flat" cmpd="sng" algn="ctr">
+                      <a:solidFill>
+                        <a:schemeClr val="tx1"/>
+                      </a:solidFill>
+                      <a:prstDash val="solid"/>
+                      <a:round/>
+                      <a:headEnd type="none" w="med" len="med"/>
+                      <a:tailEnd type="none" w="med" len="med"/>
+                    </a:lnR>
+                    <a:lnT w="12700" cap="flat" cmpd="sng" algn="ctr">
+                      <a:solidFill>
+                        <a:schemeClr val="tx1"/>
+                      </a:solidFill>
+                      <a:prstDash val="solid"/>
+                      <a:round/>
+                      <a:headEnd type="none" w="med" len="med"/>
+                      <a:tailEnd type="none" w="med" len="med"/>
+                    </a:lnT>
+                    <a:lnB w="12700" cap="flat" cmpd="sng" algn="ctr">
+                      <a:solidFill>
+                        <a:schemeClr val="tx1"/>
+                      </a:solidFill>
+                      <a:prstDash val="solid"/>
+                      <a:round/>
+                      <a:headEnd type="none" w="med" len="med"/>
+                      <a:tailEnd type="none" w="med" len="med"/>
+                    </a:lnB>
+                    <a:lnTlToBr w="12700" cmpd="sng">
+                      <a:noFill/>
+                      <a:prstDash val="solid"/>
+                    </a:lnTlToBr>
+                    <a:lnBlToTr w="12700" cmpd="sng">
+                      <a:noFill/>
+                      <a:prstDash val="solid"/>
+                    </a:lnBlToTr>
+                    <a:solidFill>
+                      <a:schemeClr val="bg1"/>
+                    </a:solidFill>
+                  </a:tcPr>
+                </a:tc>
+                <a:tc>
+                  <a:txBody>
+                    <a:bodyPr/>
+                    <a:lstStyle/>
+                    <a:p>
+                      <a:r>
+                        <a:rPr lang="en-IN" b="1" dirty="0" smtClean="0">
+                          <a:solidFill>
+                            <a:schemeClr val="tx1"/>
+                          </a:solidFill>
+                        </a:rPr>
+                        <a:t>&lt;=</a:t>
+                      </a:r>
+                      <a:endParaRPr lang="en-IN" b="1" dirty="0">
+                        <a:solidFill>
+                          <a:schemeClr val="tx1"/>
+                        </a:solidFill>
+                      </a:endParaRPr>
+                    </a:p>
+                  </a:txBody>
+                  <a:tcPr>
+                    <a:lnL w="12700" cap="flat" cmpd="sng" algn="ctr">
+                      <a:solidFill>
+                        <a:schemeClr val="tx1"/>
+                      </a:solidFill>
+                      <a:prstDash val="solid"/>
+                      <a:round/>
+                      <a:headEnd type="none" w="med" len="med"/>
+                      <a:tailEnd type="none" w="med" len="med"/>
+                    </a:lnL>
+                    <a:lnR w="12700" cap="flat" cmpd="sng" algn="ctr">
+                      <a:solidFill>
+                        <a:schemeClr val="tx1"/>
+                      </a:solidFill>
+                      <a:prstDash val="solid"/>
+                      <a:round/>
+                      <a:headEnd type="none" w="med" len="med"/>
+                      <a:tailEnd type="none" w="med" len="med"/>
+                    </a:lnR>
+                    <a:lnT w="12700" cap="flat" cmpd="sng" algn="ctr">
+                      <a:solidFill>
+                        <a:schemeClr val="tx1"/>
+                      </a:solidFill>
+                      <a:prstDash val="solid"/>
+                      <a:round/>
+                      <a:headEnd type="none" w="med" len="med"/>
+                      <a:tailEnd type="none" w="med" len="med"/>
+                    </a:lnT>
+                    <a:lnB w="12700" cap="flat" cmpd="sng" algn="ctr">
+                      <a:solidFill>
+                        <a:schemeClr val="tx1"/>
+                      </a:solidFill>
+                      <a:prstDash val="solid"/>
+                      <a:round/>
+                      <a:headEnd type="none" w="med" len="med"/>
+                      <a:tailEnd type="none" w="med" len="med"/>
+                    </a:lnB>
+                    <a:lnTlToBr w="12700" cmpd="sng">
+                      <a:noFill/>
+                      <a:prstDash val="solid"/>
+                    </a:lnTlToBr>
+                    <a:lnBlToTr w="12700" cmpd="sng">
+                      <a:noFill/>
+                      <a:prstDash val="solid"/>
+                    </a:lnBlToTr>
+                    <a:solidFill>
+                      <a:schemeClr val="bg1"/>
+                    </a:solidFill>
+                  </a:tcPr>
+                </a:tc>
+                <a:extLst>
+                  <a:ext uri="{0D108BD9-81ED-4DB2-BD59-A6C34878D82A}">
+                    <a16:rowId xmlns:a16="http://schemas.microsoft.com/office/drawing/2014/main" val="1995131757"/>
+                  </a:ext>
+                </a:extLst>
+              </a:tr>
+              <a:tr h="370840">
+                <a:tc>
+                  <a:txBody>
+                    <a:bodyPr/>
+                    <a:lstStyle/>
+                    <a:p>
+                      <a:r>
+                        <a:rPr lang="en-IN" dirty="0" smtClean="0">
+                          <a:solidFill>
+                            <a:schemeClr val="tx1"/>
+                          </a:solidFill>
+                        </a:rPr>
+                        <a:t>Combined comparison</a:t>
+                      </a:r>
+                      <a:endParaRPr lang="en-IN" dirty="0">
+                        <a:solidFill>
+                          <a:schemeClr val="tx1"/>
+                        </a:solidFill>
+                      </a:endParaRPr>
+                    </a:p>
+                  </a:txBody>
+                  <a:tcPr>
+                    <a:lnL w="12700" cap="flat" cmpd="sng" algn="ctr">
+                      <a:solidFill>
+                        <a:schemeClr val="tx1"/>
+                      </a:solidFill>
+                      <a:prstDash val="solid"/>
+                      <a:round/>
+                      <a:headEnd type="none" w="med" len="med"/>
+                      <a:tailEnd type="none" w="med" len="med"/>
+                    </a:lnL>
+                    <a:lnR w="12700" cap="flat" cmpd="sng" algn="ctr">
+                      <a:solidFill>
+                        <a:schemeClr val="tx1"/>
+                      </a:solidFill>
+                      <a:prstDash val="solid"/>
+                      <a:round/>
+                      <a:headEnd type="none" w="med" len="med"/>
+                      <a:tailEnd type="none" w="med" len="med"/>
+                    </a:lnR>
+                    <a:lnT w="12700" cap="flat" cmpd="sng" algn="ctr">
+                      <a:solidFill>
+                        <a:schemeClr val="tx1"/>
+                      </a:solidFill>
+                      <a:prstDash val="solid"/>
+                      <a:round/>
+                      <a:headEnd type="none" w="med" len="med"/>
+                      <a:tailEnd type="none" w="med" len="med"/>
+                    </a:lnT>
+                    <a:lnB w="12700" cap="flat" cmpd="sng" algn="ctr">
+                      <a:solidFill>
+                        <a:schemeClr val="tx1"/>
+                      </a:solidFill>
+                      <a:prstDash val="solid"/>
+                      <a:round/>
+                      <a:headEnd type="none" w="med" len="med"/>
+                      <a:tailEnd type="none" w="med" len="med"/>
+                    </a:lnB>
+                    <a:lnTlToBr w="12700" cmpd="sng">
+                      <a:noFill/>
+                      <a:prstDash val="solid"/>
+                    </a:lnTlToBr>
+                    <a:lnBlToTr w="12700" cmpd="sng">
+                      <a:noFill/>
+                      <a:prstDash val="solid"/>
+                    </a:lnBlToTr>
+                    <a:solidFill>
+                      <a:schemeClr val="bg1"/>
+                    </a:solidFill>
+                  </a:tcPr>
+                </a:tc>
+                <a:tc>
+                  <a:txBody>
+                    <a:bodyPr/>
+                    <a:lstStyle/>
+                    <a:p>
+                      <a:r>
+                        <a:rPr lang="en-IN" b="1" dirty="0" smtClean="0">
+                          <a:solidFill>
+                            <a:schemeClr val="tx1"/>
+                          </a:solidFill>
+                        </a:rPr>
+                        <a:t>&lt;=&gt;</a:t>
+                      </a:r>
+                      <a:endParaRPr lang="en-IN" b="1" dirty="0">
+                        <a:solidFill>
+                          <a:schemeClr val="tx1"/>
+                        </a:solidFill>
+                      </a:endParaRPr>
+                    </a:p>
+                  </a:txBody>
+                  <a:tcPr>
+                    <a:lnL w="12700" cap="flat" cmpd="sng" algn="ctr">
+                      <a:solidFill>
+                        <a:schemeClr val="tx1"/>
+                      </a:solidFill>
+                      <a:prstDash val="solid"/>
+                      <a:round/>
+                      <a:headEnd type="none" w="med" len="med"/>
+                      <a:tailEnd type="none" w="med" len="med"/>
+                    </a:lnL>
+                    <a:lnR w="12700" cap="flat" cmpd="sng" algn="ctr">
+                      <a:solidFill>
+                        <a:schemeClr val="tx1"/>
+                      </a:solidFill>
+                      <a:prstDash val="solid"/>
+                      <a:round/>
+                      <a:headEnd type="none" w="med" len="med"/>
+                      <a:tailEnd type="none" w="med" len="med"/>
+                    </a:lnR>
+                    <a:lnT w="12700" cap="flat" cmpd="sng" algn="ctr">
+                      <a:solidFill>
+                        <a:schemeClr val="tx1"/>
+                      </a:solidFill>
+                      <a:prstDash val="solid"/>
+                      <a:round/>
+                      <a:headEnd type="none" w="med" len="med"/>
+                      <a:tailEnd type="none" w="med" len="med"/>
+                    </a:lnT>
+                    <a:lnB w="12700" cap="flat" cmpd="sng" algn="ctr">
+                      <a:solidFill>
+                        <a:schemeClr val="tx1"/>
+                      </a:solidFill>
+                      <a:prstDash val="solid"/>
+                      <a:round/>
+                      <a:headEnd type="none" w="med" len="med"/>
+                      <a:tailEnd type="none" w="med" len="med"/>
+                    </a:lnB>
+                    <a:lnTlToBr w="12700" cmpd="sng">
+                      <a:noFill/>
+                      <a:prstDash val="solid"/>
+                    </a:lnTlToBr>
+                    <a:lnBlToTr w="12700" cmpd="sng">
+                      <a:noFill/>
+                      <a:prstDash val="solid"/>
+                    </a:lnBlToTr>
+                    <a:solidFill>
+                      <a:schemeClr val="bg1"/>
+                    </a:solidFill>
+                  </a:tcPr>
+                </a:tc>
+                <a:extLst>
+                  <a:ext uri="{0D108BD9-81ED-4DB2-BD59-A6C34878D82A}">
+                    <a16:rowId xmlns:a16="http://schemas.microsoft.com/office/drawing/2014/main" val="3897688021"/>
+                  </a:ext>
+                </a:extLst>
+              </a:tr>
+            </a:tbl>
+          </a:graphicData>
+        </a:graphic>
+      </p:graphicFrame>
+    </p:spTree>
+    <p:extLst>
+      <p:ext uri="{BB962C8B-B14F-4D97-AF65-F5344CB8AC3E}">
+        <p14:creationId xmlns:p14="http://schemas.microsoft.com/office/powerpoint/2010/main" val="3235698046"/>
+      </p:ext>
+    </p:extLst>
+  </p:cSld>
+  <p:clrMapOvr>
+    <a:masterClrMapping/>
+  </p:clrMapOvr>
+</p:sld>
+</file>
+
+<file path=ppt/slides/slide16.xml><?xml version="1.0" encoding="utf-8"?>
+<p:sld xmlns:a="http://schemas.openxmlformats.org/drawingml/2006/main" xmlns:r="http://schemas.openxmlformats.org/officeDocument/2006/relationships" xmlns:p="http://schemas.openxmlformats.org/presentationml/2006/main">
+  <p:cSld>
+    <p:spTree>
+      <p:nvGrpSpPr>
+        <p:cNvPr id="1" name=""/>
+        <p:cNvGrpSpPr/>
+        <p:nvPr/>
+      </p:nvGrpSpPr>
+      <p:grpSpPr>
+        <a:xfrm>
+          <a:off x="0" y="0"/>
+          <a:ext cx="0" cy="0"/>
+          <a:chOff x="0" y="0"/>
+          <a:chExt cx="0" cy="0"/>
+        </a:xfrm>
+      </p:grpSpPr>
+      <p:sp>
+        <p:nvSpPr>
+          <p:cNvPr id="2" name="Title 1"/>
+          <p:cNvSpPr>
+            <a:spLocks noGrp="1"/>
+          </p:cNvSpPr>
+          <p:nvPr>
+            <p:ph type="title"/>
+          </p:nvPr>
+        </p:nvSpPr>
+        <p:spPr/>
+        <p:txBody>
+          <a:bodyPr/>
+          <a:lstStyle/>
+          <a:p>
+            <a:r>
+              <a:rPr lang="en-IN" dirty="0" smtClean="0"/>
+              <a:t>Assignment Operators</a:t>
+            </a:r>
+            <a:endParaRPr lang="en-IN" dirty="0"/>
+          </a:p>
+        </p:txBody>
+      </p:sp>
+      <p:graphicFrame>
+        <p:nvGraphicFramePr>
+          <p:cNvPr id="6" name="Content Placeholder 5"/>
+          <p:cNvGraphicFramePr>
+            <a:graphicFrameLocks noGrp="1"/>
+          </p:cNvGraphicFramePr>
+          <p:nvPr>
+            <p:ph idx="1"/>
+            <p:extLst>
+              <p:ext uri="{D42A27DB-BD31-4B8C-83A1-F6EECF244321}">
+                <p14:modId xmlns:p14="http://schemas.microsoft.com/office/powerpoint/2010/main" val="3943145963"/>
+              </p:ext>
+            </p:extLst>
+          </p:nvPr>
+        </p:nvGraphicFramePr>
+        <p:xfrm>
+          <a:off x="1096963" y="1846263"/>
+          <a:ext cx="3760045" cy="2595880"/>
+        </p:xfrm>
+        <a:graphic>
+          <a:graphicData uri="http://schemas.openxmlformats.org/drawingml/2006/table">
+            <a:tbl>
+              <a:tblPr firstRow="1" bandRow="1">
+                <a:tableStyleId>{5C22544A-7EE6-4342-B048-85BDC9FD1C3A}</a:tableStyleId>
+              </a:tblPr>
+              <a:tblGrid>
+                <a:gridCol w="2976273">
+                  <a:extLst>
+                    <a:ext uri="{9D8B030D-6E8A-4147-A177-3AD203B41FA5}">
+                      <a16:colId xmlns:a16="http://schemas.microsoft.com/office/drawing/2014/main" val="3802140885"/>
+                    </a:ext>
+                  </a:extLst>
+                </a:gridCol>
+                <a:gridCol w="783772">
+                  <a:extLst>
+                    <a:ext uri="{9D8B030D-6E8A-4147-A177-3AD203B41FA5}">
+                      <a16:colId xmlns:a16="http://schemas.microsoft.com/office/drawing/2014/main" val="2673078359"/>
+                    </a:ext>
+                  </a:extLst>
+                </a:gridCol>
+              </a:tblGrid>
+              <a:tr h="370840">
+                <a:tc>
+                  <a:txBody>
+                    <a:bodyPr/>
+                    <a:lstStyle/>
+                    <a:p>
+                      <a:r>
+                        <a:rPr lang="en-IN" b="0" dirty="0" smtClean="0">
+                          <a:solidFill>
+                            <a:schemeClr val="tx1"/>
+                          </a:solidFill>
+                        </a:rPr>
+                        <a:t>Equal</a:t>
+                      </a:r>
+                      <a:endParaRPr lang="en-IN" b="0" dirty="0">
+                        <a:solidFill>
+                          <a:schemeClr val="tx1"/>
+                        </a:solidFill>
+                      </a:endParaRPr>
+                    </a:p>
+                  </a:txBody>
+                  <a:tcPr>
+                    <a:lnL w="12700" cap="flat" cmpd="sng" algn="ctr">
+                      <a:solidFill>
+                        <a:schemeClr val="tx1"/>
+                      </a:solidFill>
+                      <a:prstDash val="solid"/>
+                      <a:round/>
+                      <a:headEnd type="none" w="med" len="med"/>
+                      <a:tailEnd type="none" w="med" len="med"/>
+                    </a:lnL>
+                    <a:lnR w="12700" cap="flat" cmpd="sng" algn="ctr">
+                      <a:solidFill>
+                        <a:schemeClr val="tx1"/>
+                      </a:solidFill>
+                      <a:prstDash val="solid"/>
+                      <a:round/>
+                      <a:headEnd type="none" w="med" len="med"/>
+                      <a:tailEnd type="none" w="med" len="med"/>
+                    </a:lnR>
+                    <a:lnT w="12700" cap="flat" cmpd="sng" algn="ctr">
+                      <a:solidFill>
+                        <a:schemeClr val="tx1"/>
+                      </a:solidFill>
+                      <a:prstDash val="solid"/>
+                      <a:round/>
+                      <a:headEnd type="none" w="med" len="med"/>
+                      <a:tailEnd type="none" w="med" len="med"/>
+                    </a:lnT>
+                    <a:lnB w="12700" cap="flat" cmpd="sng" algn="ctr">
+                      <a:solidFill>
+                        <a:schemeClr val="tx1"/>
+                      </a:solidFill>
+                      <a:prstDash val="solid"/>
+                      <a:round/>
+                      <a:headEnd type="none" w="med" len="med"/>
+                      <a:tailEnd type="none" w="med" len="med"/>
+                    </a:lnB>
+                    <a:solidFill>
+                      <a:schemeClr val="bg1"/>
+                    </a:solidFill>
+                  </a:tcPr>
+                </a:tc>
+                <a:tc>
+                  <a:txBody>
+                    <a:bodyPr/>
+                    <a:lstStyle/>
+                    <a:p>
+                      <a:r>
+                        <a:rPr lang="en-IN" dirty="0" smtClean="0">
+                          <a:solidFill>
+                            <a:schemeClr val="tx1"/>
+                          </a:solidFill>
+                        </a:rPr>
+                        <a:t>=</a:t>
+                      </a:r>
+                      <a:endParaRPr lang="en-IN" dirty="0">
+                        <a:solidFill>
+                          <a:schemeClr val="tx1"/>
+                        </a:solidFill>
+                      </a:endParaRPr>
+                    </a:p>
+                  </a:txBody>
+                  <a:tcPr>
+                    <a:lnL w="12700" cap="flat" cmpd="sng" algn="ctr">
+                      <a:solidFill>
+                        <a:schemeClr val="tx1"/>
+                      </a:solidFill>
+                      <a:prstDash val="solid"/>
+                      <a:round/>
+                      <a:headEnd type="none" w="med" len="med"/>
+                      <a:tailEnd type="none" w="med" len="med"/>
+                    </a:lnL>
+                    <a:lnR w="12700" cap="flat" cmpd="sng" algn="ctr">
+                      <a:solidFill>
+                        <a:schemeClr val="tx1"/>
+                      </a:solidFill>
+                      <a:prstDash val="solid"/>
+                      <a:round/>
+                      <a:headEnd type="none" w="med" len="med"/>
+                      <a:tailEnd type="none" w="med" len="med"/>
+                    </a:lnR>
+                    <a:lnT w="12700" cap="flat" cmpd="sng" algn="ctr">
+                      <a:solidFill>
+                        <a:schemeClr val="tx1"/>
+                      </a:solidFill>
+                      <a:prstDash val="solid"/>
+                      <a:round/>
+                      <a:headEnd type="none" w="med" len="med"/>
+                      <a:tailEnd type="none" w="med" len="med"/>
+                    </a:lnT>
+                    <a:lnB w="12700" cap="flat" cmpd="sng" algn="ctr">
+                      <a:solidFill>
+                        <a:schemeClr val="tx1"/>
+                      </a:solidFill>
+                      <a:prstDash val="solid"/>
+                      <a:round/>
+                      <a:headEnd type="none" w="med" len="med"/>
+                      <a:tailEnd type="none" w="med" len="med"/>
+                    </a:lnB>
+                    <a:solidFill>
+                      <a:schemeClr val="bg1"/>
+                    </a:solidFill>
+                  </a:tcPr>
+                </a:tc>
+                <a:extLst>
+                  <a:ext uri="{0D108BD9-81ED-4DB2-BD59-A6C34878D82A}">
+                    <a16:rowId xmlns:a16="http://schemas.microsoft.com/office/drawing/2014/main" val="916729835"/>
+                  </a:ext>
+                </a:extLst>
+              </a:tr>
+              <a:tr h="370840">
+                <a:tc>
+                  <a:txBody>
+                    <a:bodyPr/>
+                    <a:lstStyle/>
+                    <a:p>
+                      <a:r>
+                        <a:rPr lang="en-IN" dirty="0" smtClean="0">
+                          <a:solidFill>
+                            <a:schemeClr val="tx1"/>
+                          </a:solidFill>
+                        </a:rPr>
+                        <a:t>Add AND</a:t>
+                      </a:r>
+                      <a:endParaRPr lang="en-IN" dirty="0">
+                        <a:solidFill>
+                          <a:schemeClr val="tx1"/>
+                        </a:solidFill>
+                      </a:endParaRPr>
+                    </a:p>
+                  </a:txBody>
+                  <a:tcPr>
+                    <a:lnL w="12700" cap="flat" cmpd="sng" algn="ctr">
+                      <a:solidFill>
+                        <a:schemeClr val="tx1"/>
+                      </a:solidFill>
+                      <a:prstDash val="solid"/>
+                      <a:round/>
+                      <a:headEnd type="none" w="med" len="med"/>
+                      <a:tailEnd type="none" w="med" len="med"/>
+                    </a:lnL>
+                    <a:lnR w="12700" cap="flat" cmpd="sng" algn="ctr">
+                      <a:solidFill>
+                        <a:schemeClr val="tx1"/>
+                      </a:solidFill>
+                      <a:prstDash val="solid"/>
+                      <a:round/>
+                      <a:headEnd type="none" w="med" len="med"/>
+                      <a:tailEnd type="none" w="med" len="med"/>
+                    </a:lnR>
+                    <a:lnT w="12700" cap="flat" cmpd="sng" algn="ctr">
+                      <a:solidFill>
+                        <a:schemeClr val="tx1"/>
+                      </a:solidFill>
+                      <a:prstDash val="solid"/>
+                      <a:round/>
+                      <a:headEnd type="none" w="med" len="med"/>
+                      <a:tailEnd type="none" w="med" len="med"/>
+                    </a:lnT>
+                    <a:lnB w="12700" cap="flat" cmpd="sng" algn="ctr">
+                      <a:solidFill>
+                        <a:schemeClr val="tx1"/>
+                      </a:solidFill>
+                      <a:prstDash val="solid"/>
+                      <a:round/>
+                      <a:headEnd type="none" w="med" len="med"/>
+                      <a:tailEnd type="none" w="med" len="med"/>
+                    </a:lnB>
+                    <a:solidFill>
+                      <a:schemeClr val="bg1"/>
+                    </a:solidFill>
+                  </a:tcPr>
+                </a:tc>
+                <a:tc>
+                  <a:txBody>
+                    <a:bodyPr/>
+                    <a:lstStyle/>
+                    <a:p>
+                      <a:r>
+                        <a:rPr lang="en-IN" b="1" dirty="0" smtClean="0">
+                          <a:solidFill>
+                            <a:schemeClr val="tx1"/>
+                          </a:solidFill>
+                        </a:rPr>
+                        <a:t>+=</a:t>
+                      </a:r>
+                      <a:endParaRPr lang="en-IN" b="1" dirty="0">
+                        <a:solidFill>
+                          <a:schemeClr val="tx1"/>
+                        </a:solidFill>
+                      </a:endParaRPr>
+                    </a:p>
+                  </a:txBody>
+                  <a:tcPr>
+                    <a:lnL w="12700" cap="flat" cmpd="sng" algn="ctr">
+                      <a:solidFill>
+                        <a:schemeClr val="tx1"/>
+                      </a:solidFill>
+                      <a:prstDash val="solid"/>
+                      <a:round/>
+                      <a:headEnd type="none" w="med" len="med"/>
+                      <a:tailEnd type="none" w="med" len="med"/>
+                    </a:lnL>
+                    <a:lnR w="12700" cap="flat" cmpd="sng" algn="ctr">
+                      <a:solidFill>
+                        <a:schemeClr val="tx1"/>
+                      </a:solidFill>
+                      <a:prstDash val="solid"/>
+                      <a:round/>
+                      <a:headEnd type="none" w="med" len="med"/>
+                      <a:tailEnd type="none" w="med" len="med"/>
+                    </a:lnR>
+                    <a:lnT w="12700" cap="flat" cmpd="sng" algn="ctr">
+                      <a:solidFill>
+                        <a:schemeClr val="tx1"/>
+                      </a:solidFill>
+                      <a:prstDash val="solid"/>
+                      <a:round/>
+                      <a:headEnd type="none" w="med" len="med"/>
+                      <a:tailEnd type="none" w="med" len="med"/>
+                    </a:lnT>
+                    <a:lnB w="12700" cap="flat" cmpd="sng" algn="ctr">
+                      <a:solidFill>
+                        <a:schemeClr val="tx1"/>
+                      </a:solidFill>
+                      <a:prstDash val="solid"/>
+                      <a:round/>
+                      <a:headEnd type="none" w="med" len="med"/>
+                      <a:tailEnd type="none" w="med" len="med"/>
+                    </a:lnB>
+                    <a:solidFill>
+                      <a:schemeClr val="bg1"/>
+                    </a:solidFill>
+                  </a:tcPr>
+                </a:tc>
+                <a:extLst>
+                  <a:ext uri="{0D108BD9-81ED-4DB2-BD59-A6C34878D82A}">
+                    <a16:rowId xmlns:a16="http://schemas.microsoft.com/office/drawing/2014/main" val="1254880326"/>
+                  </a:ext>
+                </a:extLst>
+              </a:tr>
+              <a:tr h="370840">
+                <a:tc>
+                  <a:txBody>
+                    <a:bodyPr/>
+                    <a:lstStyle/>
+                    <a:p>
+                      <a:r>
+                        <a:rPr lang="en-IN" dirty="0" smtClean="0">
+                          <a:solidFill>
+                            <a:schemeClr val="tx1"/>
+                          </a:solidFill>
+                        </a:rPr>
+                        <a:t>Subtract AND</a:t>
+                      </a:r>
+                      <a:endParaRPr lang="en-IN" dirty="0">
+                        <a:solidFill>
+                          <a:schemeClr val="tx1"/>
+                        </a:solidFill>
+                      </a:endParaRPr>
+                    </a:p>
+                  </a:txBody>
+                  <a:tcPr>
+                    <a:lnL w="12700" cap="flat" cmpd="sng" algn="ctr">
+                      <a:solidFill>
+                        <a:schemeClr val="tx1"/>
+                      </a:solidFill>
+                      <a:prstDash val="solid"/>
+                      <a:round/>
+                      <a:headEnd type="none" w="med" len="med"/>
+                      <a:tailEnd type="none" w="med" len="med"/>
+                    </a:lnL>
+                    <a:lnR w="12700" cap="flat" cmpd="sng" algn="ctr">
+                      <a:solidFill>
+                        <a:schemeClr val="tx1"/>
+                      </a:solidFill>
+                      <a:prstDash val="solid"/>
+                      <a:round/>
+                      <a:headEnd type="none" w="med" len="med"/>
+                      <a:tailEnd type="none" w="med" len="med"/>
+                    </a:lnR>
+                    <a:lnT w="12700" cap="flat" cmpd="sng" algn="ctr">
+                      <a:solidFill>
+                        <a:schemeClr val="tx1"/>
+                      </a:solidFill>
+                      <a:prstDash val="solid"/>
+                      <a:round/>
+                      <a:headEnd type="none" w="med" len="med"/>
+                      <a:tailEnd type="none" w="med" len="med"/>
+                    </a:lnT>
+                    <a:lnB w="12700" cap="flat" cmpd="sng" algn="ctr">
+                      <a:solidFill>
+                        <a:schemeClr val="tx1"/>
+                      </a:solidFill>
+                      <a:prstDash val="solid"/>
+                      <a:round/>
+                      <a:headEnd type="none" w="med" len="med"/>
+                      <a:tailEnd type="none" w="med" len="med"/>
+                    </a:lnB>
+                    <a:solidFill>
+                      <a:schemeClr val="bg1"/>
+                    </a:solidFill>
+                  </a:tcPr>
+                </a:tc>
+                <a:tc>
+                  <a:txBody>
+                    <a:bodyPr/>
+                    <a:lstStyle/>
+                    <a:p>
+                      <a:r>
+                        <a:rPr lang="en-IN" b="1" dirty="0" smtClean="0">
+                          <a:solidFill>
+                            <a:schemeClr val="tx1"/>
+                          </a:solidFill>
+                        </a:rPr>
+                        <a:t>-=</a:t>
+                      </a:r>
+                      <a:endParaRPr lang="en-IN" b="1" dirty="0">
+                        <a:solidFill>
+                          <a:schemeClr val="tx1"/>
+                        </a:solidFill>
+                      </a:endParaRPr>
+                    </a:p>
+                  </a:txBody>
+                  <a:tcPr>
+                    <a:lnL w="12700" cap="flat" cmpd="sng" algn="ctr">
+                      <a:solidFill>
+                        <a:schemeClr val="tx1"/>
+                      </a:solidFill>
+                      <a:prstDash val="solid"/>
+                      <a:round/>
+                      <a:headEnd type="none" w="med" len="med"/>
+                      <a:tailEnd type="none" w="med" len="med"/>
+                    </a:lnL>
+                    <a:lnR w="12700" cap="flat" cmpd="sng" algn="ctr">
+                      <a:solidFill>
+                        <a:schemeClr val="tx1"/>
+                      </a:solidFill>
+                      <a:prstDash val="solid"/>
+                      <a:round/>
+                      <a:headEnd type="none" w="med" len="med"/>
+                      <a:tailEnd type="none" w="med" len="med"/>
+                    </a:lnR>
+                    <a:lnT w="12700" cap="flat" cmpd="sng" algn="ctr">
+                      <a:solidFill>
+                        <a:schemeClr val="tx1"/>
+                      </a:solidFill>
+                      <a:prstDash val="solid"/>
+                      <a:round/>
+                      <a:headEnd type="none" w="med" len="med"/>
+                      <a:tailEnd type="none" w="med" len="med"/>
+                    </a:lnT>
+                    <a:lnB w="12700" cap="flat" cmpd="sng" algn="ctr">
+                      <a:solidFill>
+                        <a:schemeClr val="tx1"/>
+                      </a:solidFill>
+                      <a:prstDash val="solid"/>
+                      <a:round/>
+                      <a:headEnd type="none" w="med" len="med"/>
+                      <a:tailEnd type="none" w="med" len="med"/>
+                    </a:lnB>
+                    <a:solidFill>
+                      <a:schemeClr val="bg1"/>
+                    </a:solidFill>
+                  </a:tcPr>
+                </a:tc>
+                <a:extLst>
+                  <a:ext uri="{0D108BD9-81ED-4DB2-BD59-A6C34878D82A}">
+                    <a16:rowId xmlns:a16="http://schemas.microsoft.com/office/drawing/2014/main" val="3822176118"/>
+                  </a:ext>
+                </a:extLst>
+              </a:tr>
+              <a:tr h="370840">
+                <a:tc>
+                  <a:txBody>
+                    <a:bodyPr/>
+                    <a:lstStyle/>
+                    <a:p>
+                      <a:r>
+                        <a:rPr lang="en-IN" dirty="0" smtClean="0">
+                          <a:solidFill>
+                            <a:schemeClr val="tx1"/>
+                          </a:solidFill>
+                        </a:rPr>
+                        <a:t>Multiply AND</a:t>
+                      </a:r>
+                      <a:endParaRPr lang="en-IN" dirty="0">
+                        <a:solidFill>
+                          <a:schemeClr val="tx1"/>
+                        </a:solidFill>
+                      </a:endParaRPr>
+                    </a:p>
+                  </a:txBody>
+                  <a:tcPr>
+                    <a:lnL w="12700" cap="flat" cmpd="sng" algn="ctr">
+                      <a:solidFill>
+                        <a:schemeClr val="tx1"/>
+                      </a:solidFill>
+                      <a:prstDash val="solid"/>
+                      <a:round/>
+                      <a:headEnd type="none" w="med" len="med"/>
+                      <a:tailEnd type="none" w="med" len="med"/>
+                    </a:lnL>
+                    <a:lnR w="12700" cap="flat" cmpd="sng" algn="ctr">
+                      <a:solidFill>
+                        <a:schemeClr val="tx1"/>
+                      </a:solidFill>
+                      <a:prstDash val="solid"/>
+                      <a:round/>
+                      <a:headEnd type="none" w="med" len="med"/>
+                      <a:tailEnd type="none" w="med" len="med"/>
+                    </a:lnR>
+                    <a:lnT w="12700" cap="flat" cmpd="sng" algn="ctr">
+                      <a:solidFill>
+                        <a:schemeClr val="tx1"/>
+                      </a:solidFill>
+                      <a:prstDash val="solid"/>
+                      <a:round/>
+                      <a:headEnd type="none" w="med" len="med"/>
+                      <a:tailEnd type="none" w="med" len="med"/>
+                    </a:lnT>
+                    <a:lnB w="12700" cap="flat" cmpd="sng" algn="ctr">
+                      <a:solidFill>
+                        <a:schemeClr val="tx1"/>
+                      </a:solidFill>
+                      <a:prstDash val="solid"/>
+                      <a:round/>
+                      <a:headEnd type="none" w="med" len="med"/>
+                      <a:tailEnd type="none" w="med" len="med"/>
+                    </a:lnB>
+                    <a:solidFill>
+                      <a:schemeClr val="bg1"/>
+                    </a:solidFill>
+                  </a:tcPr>
+                </a:tc>
+                <a:tc>
+                  <a:txBody>
+                    <a:bodyPr/>
+                    <a:lstStyle/>
+                    <a:p>
+                      <a:r>
+                        <a:rPr lang="en-IN" b="1" dirty="0" smtClean="0">
+                          <a:solidFill>
+                            <a:schemeClr val="tx1"/>
+                          </a:solidFill>
+                        </a:rPr>
+                        <a:t>*=</a:t>
+                      </a:r>
+                      <a:endParaRPr lang="en-IN" b="1" dirty="0">
+                        <a:solidFill>
+                          <a:schemeClr val="tx1"/>
+                        </a:solidFill>
+                      </a:endParaRPr>
+                    </a:p>
+                  </a:txBody>
+                  <a:tcPr>
+                    <a:lnL w="12700" cap="flat" cmpd="sng" algn="ctr">
+                      <a:solidFill>
+                        <a:schemeClr val="tx1"/>
+                      </a:solidFill>
+                      <a:prstDash val="solid"/>
+                      <a:round/>
+                      <a:headEnd type="none" w="med" len="med"/>
+                      <a:tailEnd type="none" w="med" len="med"/>
+                    </a:lnL>
+                    <a:lnR w="12700" cap="flat" cmpd="sng" algn="ctr">
+                      <a:solidFill>
+                        <a:schemeClr val="tx1"/>
+                      </a:solidFill>
+                      <a:prstDash val="solid"/>
+                      <a:round/>
+                      <a:headEnd type="none" w="med" len="med"/>
+                      <a:tailEnd type="none" w="med" len="med"/>
+                    </a:lnR>
+                    <a:lnT w="12700" cap="flat" cmpd="sng" algn="ctr">
+                      <a:solidFill>
+                        <a:schemeClr val="tx1"/>
+                      </a:solidFill>
+                      <a:prstDash val="solid"/>
+                      <a:round/>
+                      <a:headEnd type="none" w="med" len="med"/>
+                      <a:tailEnd type="none" w="med" len="med"/>
+                    </a:lnT>
+                    <a:lnB w="12700" cap="flat" cmpd="sng" algn="ctr">
+                      <a:solidFill>
+                        <a:schemeClr val="tx1"/>
+                      </a:solidFill>
+                      <a:prstDash val="solid"/>
+                      <a:round/>
+                      <a:headEnd type="none" w="med" len="med"/>
+                      <a:tailEnd type="none" w="med" len="med"/>
+                    </a:lnB>
+                    <a:solidFill>
+                      <a:schemeClr val="bg1"/>
+                    </a:solidFill>
+                  </a:tcPr>
+                </a:tc>
+                <a:extLst>
+                  <a:ext uri="{0D108BD9-81ED-4DB2-BD59-A6C34878D82A}">
+                    <a16:rowId xmlns:a16="http://schemas.microsoft.com/office/drawing/2014/main" val="3854549577"/>
+                  </a:ext>
+                </a:extLst>
+              </a:tr>
+              <a:tr h="370840">
+                <a:tc>
+                  <a:txBody>
+                    <a:bodyPr/>
+                    <a:lstStyle/>
+                    <a:p>
+                      <a:r>
+                        <a:rPr lang="en-IN" dirty="0" smtClean="0">
+                          <a:solidFill>
+                            <a:schemeClr val="tx1"/>
+                          </a:solidFill>
+                        </a:rPr>
+                        <a:t>Divide AND</a:t>
+                      </a:r>
+                      <a:endParaRPr lang="en-IN" dirty="0">
+                        <a:solidFill>
+                          <a:schemeClr val="tx1"/>
+                        </a:solidFill>
+                      </a:endParaRPr>
+                    </a:p>
+                  </a:txBody>
+                  <a:tcPr>
+                    <a:lnL w="12700" cap="flat" cmpd="sng" algn="ctr">
+                      <a:solidFill>
+                        <a:schemeClr val="tx1"/>
+                      </a:solidFill>
+                      <a:prstDash val="solid"/>
+                      <a:round/>
+                      <a:headEnd type="none" w="med" len="med"/>
+                      <a:tailEnd type="none" w="med" len="med"/>
+                    </a:lnL>
+                    <a:lnR w="12700" cap="flat" cmpd="sng" algn="ctr">
+                      <a:solidFill>
+                        <a:schemeClr val="tx1"/>
+                      </a:solidFill>
+                      <a:prstDash val="solid"/>
+                      <a:round/>
+                      <a:headEnd type="none" w="med" len="med"/>
+                      <a:tailEnd type="none" w="med" len="med"/>
+                    </a:lnR>
+                    <a:lnT w="12700" cap="flat" cmpd="sng" algn="ctr">
+                      <a:solidFill>
+                        <a:schemeClr val="tx1"/>
+                      </a:solidFill>
+                      <a:prstDash val="solid"/>
+                      <a:round/>
+                      <a:headEnd type="none" w="med" len="med"/>
+                      <a:tailEnd type="none" w="med" len="med"/>
+                    </a:lnT>
+                    <a:lnB w="12700" cap="flat" cmpd="sng" algn="ctr">
+                      <a:solidFill>
+                        <a:schemeClr val="tx1"/>
+                      </a:solidFill>
+                      <a:prstDash val="solid"/>
+                      <a:round/>
+                      <a:headEnd type="none" w="med" len="med"/>
+                      <a:tailEnd type="none" w="med" len="med"/>
+                    </a:lnB>
+                    <a:solidFill>
+                      <a:schemeClr val="bg1"/>
+                    </a:solidFill>
+                  </a:tcPr>
+                </a:tc>
+                <a:tc>
+                  <a:txBody>
+                    <a:bodyPr/>
+                    <a:lstStyle/>
+                    <a:p>
+                      <a:r>
+                        <a:rPr lang="en-IN" b="1" dirty="0" smtClean="0">
+                          <a:solidFill>
+                            <a:schemeClr val="tx1"/>
+                          </a:solidFill>
+                        </a:rPr>
+                        <a:t>/=</a:t>
+                      </a:r>
+                      <a:endParaRPr lang="en-IN" b="1" dirty="0">
+                        <a:solidFill>
+                          <a:schemeClr val="tx1"/>
+                        </a:solidFill>
+                      </a:endParaRPr>
+                    </a:p>
+                  </a:txBody>
+                  <a:tcPr>
+                    <a:lnL w="12700" cap="flat" cmpd="sng" algn="ctr">
+                      <a:solidFill>
+                        <a:schemeClr val="tx1"/>
+                      </a:solidFill>
+                      <a:prstDash val="solid"/>
+                      <a:round/>
+                      <a:headEnd type="none" w="med" len="med"/>
+                      <a:tailEnd type="none" w="med" len="med"/>
+                    </a:lnL>
+                    <a:lnR w="12700" cap="flat" cmpd="sng" algn="ctr">
+                      <a:solidFill>
+                        <a:schemeClr val="tx1"/>
+                      </a:solidFill>
+                      <a:prstDash val="solid"/>
+                      <a:round/>
+                      <a:headEnd type="none" w="med" len="med"/>
+                      <a:tailEnd type="none" w="med" len="med"/>
+                    </a:lnR>
+                    <a:lnT w="12700" cap="flat" cmpd="sng" algn="ctr">
+                      <a:solidFill>
+                        <a:schemeClr val="tx1"/>
+                      </a:solidFill>
+                      <a:prstDash val="solid"/>
+                      <a:round/>
+                      <a:headEnd type="none" w="med" len="med"/>
+                      <a:tailEnd type="none" w="med" len="med"/>
+                    </a:lnT>
+                    <a:lnB w="12700" cap="flat" cmpd="sng" algn="ctr">
+                      <a:solidFill>
+                        <a:schemeClr val="tx1"/>
+                      </a:solidFill>
+                      <a:prstDash val="solid"/>
+                      <a:round/>
+                      <a:headEnd type="none" w="med" len="med"/>
+                      <a:tailEnd type="none" w="med" len="med"/>
+                    </a:lnB>
+                    <a:solidFill>
+                      <a:schemeClr val="bg1"/>
+                    </a:solidFill>
+                  </a:tcPr>
+                </a:tc>
+                <a:extLst>
+                  <a:ext uri="{0D108BD9-81ED-4DB2-BD59-A6C34878D82A}">
+                    <a16:rowId xmlns:a16="http://schemas.microsoft.com/office/drawing/2014/main" val="1808808747"/>
+                  </a:ext>
+                </a:extLst>
+              </a:tr>
+              <a:tr h="370840">
+                <a:tc>
+                  <a:txBody>
+                    <a:bodyPr/>
+                    <a:lstStyle/>
+                    <a:p>
+                      <a:r>
+                        <a:rPr lang="en-IN" dirty="0" smtClean="0">
+                          <a:solidFill>
+                            <a:schemeClr val="tx1"/>
+                          </a:solidFill>
+                        </a:rPr>
+                        <a:t>Modulus AND</a:t>
+                      </a:r>
+                      <a:endParaRPr lang="en-IN" dirty="0">
+                        <a:solidFill>
+                          <a:schemeClr val="tx1"/>
+                        </a:solidFill>
+                      </a:endParaRPr>
+                    </a:p>
+                  </a:txBody>
+                  <a:tcPr>
+                    <a:lnL w="12700" cap="flat" cmpd="sng" algn="ctr">
+                      <a:solidFill>
+                        <a:schemeClr val="tx1"/>
+                      </a:solidFill>
+                      <a:prstDash val="solid"/>
+                      <a:round/>
+                      <a:headEnd type="none" w="med" len="med"/>
+                      <a:tailEnd type="none" w="med" len="med"/>
+                    </a:lnL>
+                    <a:lnR w="12700" cap="flat" cmpd="sng" algn="ctr">
+                      <a:solidFill>
+                        <a:schemeClr val="tx1"/>
+                      </a:solidFill>
+                      <a:prstDash val="solid"/>
+                      <a:round/>
+                      <a:headEnd type="none" w="med" len="med"/>
+                      <a:tailEnd type="none" w="med" len="med"/>
+                    </a:lnR>
+                    <a:lnT w="12700" cap="flat" cmpd="sng" algn="ctr">
+                      <a:solidFill>
+                        <a:schemeClr val="tx1"/>
+                      </a:solidFill>
+                      <a:prstDash val="solid"/>
+                      <a:round/>
+                      <a:headEnd type="none" w="med" len="med"/>
+                      <a:tailEnd type="none" w="med" len="med"/>
+                    </a:lnT>
+                    <a:lnB w="12700" cap="flat" cmpd="sng" algn="ctr">
+                      <a:solidFill>
+                        <a:schemeClr val="tx1"/>
+                      </a:solidFill>
+                      <a:prstDash val="solid"/>
+                      <a:round/>
+                      <a:headEnd type="none" w="med" len="med"/>
+                      <a:tailEnd type="none" w="med" len="med"/>
+                    </a:lnB>
+                    <a:solidFill>
+                      <a:schemeClr val="bg1"/>
+                    </a:solidFill>
+                  </a:tcPr>
+                </a:tc>
+                <a:tc>
+                  <a:txBody>
+                    <a:bodyPr/>
+                    <a:lstStyle/>
+                    <a:p>
+                      <a:r>
+                        <a:rPr lang="en-IN" b="1" dirty="0" smtClean="0">
+                          <a:solidFill>
+                            <a:schemeClr val="tx1"/>
+                          </a:solidFill>
+                        </a:rPr>
+                        <a:t>%=</a:t>
+                      </a:r>
+                      <a:endParaRPr lang="en-IN" b="1" dirty="0">
+                        <a:solidFill>
+                          <a:schemeClr val="tx1"/>
+                        </a:solidFill>
+                      </a:endParaRPr>
+                    </a:p>
+                  </a:txBody>
+                  <a:tcPr>
+                    <a:lnL w="12700" cap="flat" cmpd="sng" algn="ctr">
+                      <a:solidFill>
+                        <a:schemeClr val="tx1"/>
+                      </a:solidFill>
+                      <a:prstDash val="solid"/>
+                      <a:round/>
+                      <a:headEnd type="none" w="med" len="med"/>
+                      <a:tailEnd type="none" w="med" len="med"/>
+                    </a:lnL>
+                    <a:lnR w="12700" cap="flat" cmpd="sng" algn="ctr">
+                      <a:solidFill>
+                        <a:schemeClr val="tx1"/>
+                      </a:solidFill>
+                      <a:prstDash val="solid"/>
+                      <a:round/>
+                      <a:headEnd type="none" w="med" len="med"/>
+                      <a:tailEnd type="none" w="med" len="med"/>
+                    </a:lnR>
+                    <a:lnT w="12700" cap="flat" cmpd="sng" algn="ctr">
+                      <a:solidFill>
+                        <a:schemeClr val="tx1"/>
+                      </a:solidFill>
+                      <a:prstDash val="solid"/>
+                      <a:round/>
+                      <a:headEnd type="none" w="med" len="med"/>
+                      <a:tailEnd type="none" w="med" len="med"/>
+                    </a:lnT>
+                    <a:lnB w="12700" cap="flat" cmpd="sng" algn="ctr">
+                      <a:solidFill>
+                        <a:schemeClr val="tx1"/>
+                      </a:solidFill>
+                      <a:prstDash val="solid"/>
+                      <a:round/>
+                      <a:headEnd type="none" w="med" len="med"/>
+                      <a:tailEnd type="none" w="med" len="med"/>
+                    </a:lnB>
+                    <a:solidFill>
+                      <a:schemeClr val="bg1"/>
+                    </a:solidFill>
+                  </a:tcPr>
+                </a:tc>
+                <a:extLst>
+                  <a:ext uri="{0D108BD9-81ED-4DB2-BD59-A6C34878D82A}">
+                    <a16:rowId xmlns:a16="http://schemas.microsoft.com/office/drawing/2014/main" val="428195451"/>
+                  </a:ext>
+                </a:extLst>
+              </a:tr>
+              <a:tr h="370840">
+                <a:tc>
+                  <a:txBody>
+                    <a:bodyPr/>
+                    <a:lstStyle/>
+                    <a:p>
+                      <a:r>
+                        <a:rPr lang="en-IN" dirty="0" smtClean="0">
+                          <a:solidFill>
+                            <a:schemeClr val="tx1"/>
+                          </a:solidFill>
+                        </a:rPr>
+                        <a:t>Exponent AND</a:t>
+                      </a:r>
+                      <a:endParaRPr lang="en-IN" dirty="0">
+                        <a:solidFill>
+                          <a:schemeClr val="tx1"/>
+                        </a:solidFill>
+                      </a:endParaRPr>
+                    </a:p>
+                  </a:txBody>
+                  <a:tcPr>
+                    <a:lnL w="12700" cap="flat" cmpd="sng" algn="ctr">
+                      <a:solidFill>
+                        <a:schemeClr val="tx1"/>
+                      </a:solidFill>
+                      <a:prstDash val="solid"/>
+                      <a:round/>
+                      <a:headEnd type="none" w="med" len="med"/>
+                      <a:tailEnd type="none" w="med" len="med"/>
+                    </a:lnL>
+                    <a:lnR w="12700" cap="flat" cmpd="sng" algn="ctr">
+                      <a:solidFill>
+                        <a:schemeClr val="tx1"/>
+                      </a:solidFill>
+                      <a:prstDash val="solid"/>
+                      <a:round/>
+                      <a:headEnd type="none" w="med" len="med"/>
+                      <a:tailEnd type="none" w="med" len="med"/>
+                    </a:lnR>
+                    <a:lnT w="12700" cap="flat" cmpd="sng" algn="ctr">
+                      <a:solidFill>
+                        <a:schemeClr val="tx1"/>
+                      </a:solidFill>
+                      <a:prstDash val="solid"/>
+                      <a:round/>
+                      <a:headEnd type="none" w="med" len="med"/>
+                      <a:tailEnd type="none" w="med" len="med"/>
+                    </a:lnT>
+                    <a:lnB w="12700" cap="flat" cmpd="sng" algn="ctr">
+                      <a:solidFill>
+                        <a:schemeClr val="tx1"/>
+                      </a:solidFill>
+                      <a:prstDash val="solid"/>
+                      <a:round/>
+                      <a:headEnd type="none" w="med" len="med"/>
+                      <a:tailEnd type="none" w="med" len="med"/>
+                    </a:lnB>
+                    <a:solidFill>
+                      <a:schemeClr val="bg1"/>
+                    </a:solidFill>
+                  </a:tcPr>
+                </a:tc>
+                <a:tc>
+                  <a:txBody>
+                    <a:bodyPr/>
+                    <a:lstStyle/>
+                    <a:p>
+                      <a:r>
+                        <a:rPr lang="en-IN" b="1" dirty="0" smtClean="0">
+                          <a:solidFill>
+                            <a:schemeClr val="tx1"/>
+                          </a:solidFill>
+                        </a:rPr>
+                        <a:t>**=</a:t>
+                      </a:r>
+                      <a:endParaRPr lang="en-IN" b="1" dirty="0">
+                        <a:solidFill>
+                          <a:schemeClr val="tx1"/>
+                        </a:solidFill>
+                      </a:endParaRPr>
+                    </a:p>
+                  </a:txBody>
+                  <a:tcPr>
+                    <a:lnL w="12700" cap="flat" cmpd="sng" algn="ctr">
+                      <a:solidFill>
+                        <a:schemeClr val="tx1"/>
+                      </a:solidFill>
+                      <a:prstDash val="solid"/>
+                      <a:round/>
+                      <a:headEnd type="none" w="med" len="med"/>
+                      <a:tailEnd type="none" w="med" len="med"/>
+                    </a:lnL>
+                    <a:lnR w="12700" cap="flat" cmpd="sng" algn="ctr">
+                      <a:solidFill>
+                        <a:schemeClr val="tx1"/>
+                      </a:solidFill>
+                      <a:prstDash val="solid"/>
+                      <a:round/>
+                      <a:headEnd type="none" w="med" len="med"/>
+                      <a:tailEnd type="none" w="med" len="med"/>
+                    </a:lnR>
+                    <a:lnT w="12700" cap="flat" cmpd="sng" algn="ctr">
+                      <a:solidFill>
+                        <a:schemeClr val="tx1"/>
+                      </a:solidFill>
+                      <a:prstDash val="solid"/>
+                      <a:round/>
+                      <a:headEnd type="none" w="med" len="med"/>
+                      <a:tailEnd type="none" w="med" len="med"/>
+                    </a:lnT>
+                    <a:lnB w="12700" cap="flat" cmpd="sng" algn="ctr">
+                      <a:solidFill>
+                        <a:schemeClr val="tx1"/>
+                      </a:solidFill>
+                      <a:prstDash val="solid"/>
+                      <a:round/>
+                      <a:headEnd type="none" w="med" len="med"/>
+                      <a:tailEnd type="none" w="med" len="med"/>
+                    </a:lnB>
+                    <a:solidFill>
+                      <a:schemeClr val="bg1"/>
+                    </a:solidFill>
+                  </a:tcPr>
+                </a:tc>
+                <a:extLst>
+                  <a:ext uri="{0D108BD9-81ED-4DB2-BD59-A6C34878D82A}">
+                    <a16:rowId xmlns:a16="http://schemas.microsoft.com/office/drawing/2014/main" val="2344979449"/>
+                  </a:ext>
+                </a:extLst>
+              </a:tr>
+            </a:tbl>
+          </a:graphicData>
+        </a:graphic>
+      </p:graphicFrame>
+    </p:spTree>
+    <p:extLst>
+      <p:ext uri="{BB962C8B-B14F-4D97-AF65-F5344CB8AC3E}">
+        <p14:creationId xmlns:p14="http://schemas.microsoft.com/office/powerpoint/2010/main" val="1596978428"/>
+      </p:ext>
+    </p:extLst>
+  </p:cSld>
+  <p:clrMapOvr>
+    <a:masterClrMapping/>
+  </p:clrMapOvr>
+</p:sld>
+</file>
+
+<file path=ppt/slides/slide17.xml><?xml version="1.0" encoding="utf-8"?>
+<p:sld xmlns:a="http://schemas.openxmlformats.org/drawingml/2006/main" xmlns:r="http://schemas.openxmlformats.org/officeDocument/2006/relationships" xmlns:p="http://schemas.openxmlformats.org/presentationml/2006/main">
+  <p:cSld>
+    <p:spTree>
+      <p:nvGrpSpPr>
+        <p:cNvPr id="1" name=""/>
+        <p:cNvGrpSpPr/>
+        <p:nvPr/>
+      </p:nvGrpSpPr>
+      <p:grpSpPr>
+        <a:xfrm>
+          <a:off x="0" y="0"/>
+          <a:ext cx="0" cy="0"/>
+          <a:chOff x="0" y="0"/>
+          <a:chExt cx="0" cy="0"/>
+        </a:xfrm>
+      </p:grpSpPr>
+      <p:sp>
+        <p:nvSpPr>
+          <p:cNvPr id="2" name="Title 1"/>
+          <p:cNvSpPr>
+            <a:spLocks noGrp="1"/>
+          </p:cNvSpPr>
+          <p:nvPr>
+            <p:ph type="title"/>
+          </p:nvPr>
+        </p:nvSpPr>
+        <p:spPr/>
+        <p:txBody>
+          <a:bodyPr/>
+          <a:lstStyle/>
+          <a:p>
+            <a:r>
+              <a:rPr lang="en-IN" dirty="0" smtClean="0"/>
               <a:t>Variables</a:t>
             </a:r>
             <a:endParaRPr lang="en-IN" dirty="0"/>
@@ -7174,27 +9646,17 @@
               <a:rPr lang="en-IN" dirty="0" smtClean="0"/>
               <a:t>A variable is a reference to an object. </a:t>
             </a:r>
-            <a:endParaRPr lang="en-IN" dirty="0" smtClean="0"/>
           </a:p>
           <a:p>
             <a:r>
               <a:rPr lang="en-IN" dirty="0" smtClean="0"/>
               <a:t>Must start with Lower case letter or underscore.</a:t>
             </a:r>
-            <a:endParaRPr lang="en-IN" dirty="0" smtClean="0"/>
-          </a:p>
-          <a:p>
-            <a:r>
-              <a:rPr lang="en-IN" dirty="0" smtClean="0"/>
-              <a:t>Variable's </a:t>
-            </a:r>
-            <a:r>
-              <a:rPr lang="en-IN" dirty="0" smtClean="0"/>
-              <a:t>are </a:t>
-            </a:r>
-            <a:r>
-              <a:rPr lang="en-IN" dirty="0" smtClean="0"/>
-              <a:t>placeholder for an object.</a:t>
+          </a:p>
+          <a:p>
+            <a:r>
+              <a:rPr lang="en-IN" dirty="0" smtClean="0"/>
+              <a:t>Variable's are placeholder for an object.</a:t>
             </a:r>
           </a:p>
           <a:p>
@@ -7265,7 +9727,6 @@
               <a:rPr lang="en-IN" dirty="0" smtClean="0"/>
               <a:t>Don’t use any Ruby’s reserved keywords (i.e. puts or print )</a:t>
             </a:r>
-            <a:endParaRPr lang="en-IN" dirty="0" smtClean="0"/>
           </a:p>
         </p:txBody>
       </p:sp>
@@ -7337,219 +9798,6 @@
 </p:sld>
 </file>
 
-<file path=ppt/slides/slide16.xml><?xml version="1.0" encoding="utf-8"?>
-<p:sld xmlns:a="http://schemas.openxmlformats.org/drawingml/2006/main" xmlns:r="http://schemas.openxmlformats.org/officeDocument/2006/relationships" xmlns:p="http://schemas.openxmlformats.org/presentationml/2006/main">
-  <p:cSld>
-    <p:spTree>
-      <p:nvGrpSpPr>
-        <p:cNvPr id="1" name=""/>
-        <p:cNvGrpSpPr/>
-        <p:nvPr/>
-      </p:nvGrpSpPr>
-      <p:grpSpPr>
-        <a:xfrm>
-          <a:off x="0" y="0"/>
-          <a:ext cx="0" cy="0"/>
-          <a:chOff x="0" y="0"/>
-          <a:chExt cx="0" cy="0"/>
-        </a:xfrm>
-      </p:grpSpPr>
-      <p:sp>
-        <p:nvSpPr>
-          <p:cNvPr id="2" name="Title 1"/>
-          <p:cNvSpPr>
-            <a:spLocks noGrp="1"/>
-          </p:cNvSpPr>
-          <p:nvPr>
-            <p:ph type="title"/>
-          </p:nvPr>
-        </p:nvSpPr>
-        <p:spPr/>
-        <p:txBody>
-          <a:bodyPr/>
-          <a:lstStyle/>
-          <a:p>
-            <a:r>
-              <a:rPr lang="en-IN" dirty="0" smtClean="0"/>
-              <a:t>Type of Variables</a:t>
-            </a:r>
-            <a:endParaRPr lang="en-IN" dirty="0"/>
-          </a:p>
-        </p:txBody>
-      </p:sp>
-      <p:sp>
-        <p:nvSpPr>
-          <p:cNvPr id="3" name="Content Placeholder 2"/>
-          <p:cNvSpPr>
-            <a:spLocks noGrp="1"/>
-          </p:cNvSpPr>
-          <p:nvPr>
-            <p:ph idx="1"/>
-          </p:nvPr>
-        </p:nvSpPr>
-        <p:spPr/>
-        <p:txBody>
-          <a:bodyPr/>
-          <a:lstStyle/>
-          <a:p>
-            <a:r>
-              <a:rPr lang="en-IN" dirty="0" smtClean="0"/>
-              <a:t>.class </a:t>
-            </a:r>
-            <a:endParaRPr lang="en-IN" dirty="0"/>
-          </a:p>
-        </p:txBody>
-      </p:sp>
-    </p:spTree>
-    <p:extLst>
-      <p:ext uri="{BB962C8B-B14F-4D97-AF65-F5344CB8AC3E}">
-        <p14:creationId xmlns:p14="http://schemas.microsoft.com/office/powerpoint/2010/main" val="1125704570"/>
-      </p:ext>
-    </p:extLst>
-  </p:cSld>
-  <p:clrMapOvr>
-    <a:masterClrMapping/>
-  </p:clrMapOvr>
-</p:sld>
-</file>
-
-<file path=ppt/slides/slide17.xml><?xml version="1.0" encoding="utf-8"?>
-<p:sld xmlns:a="http://schemas.openxmlformats.org/drawingml/2006/main" xmlns:r="http://schemas.openxmlformats.org/officeDocument/2006/relationships" xmlns:p="http://schemas.openxmlformats.org/presentationml/2006/main">
-  <p:cSld>
-    <p:spTree>
-      <p:nvGrpSpPr>
-        <p:cNvPr id="1" name=""/>
-        <p:cNvGrpSpPr/>
-        <p:nvPr/>
-      </p:nvGrpSpPr>
-      <p:grpSpPr>
-        <a:xfrm>
-          <a:off x="0" y="0"/>
-          <a:ext cx="0" cy="0"/>
-          <a:chOff x="0" y="0"/>
-          <a:chExt cx="0" cy="0"/>
-        </a:xfrm>
-      </p:grpSpPr>
-      <p:sp>
-        <p:nvSpPr>
-          <p:cNvPr id="2" name="Title 1"/>
-          <p:cNvSpPr>
-            <a:spLocks noGrp="1"/>
-          </p:cNvSpPr>
-          <p:nvPr>
-            <p:ph type="title"/>
-          </p:nvPr>
-        </p:nvSpPr>
-        <p:spPr/>
-        <p:txBody>
-          <a:bodyPr/>
-          <a:lstStyle/>
-          <a:p>
-            <a:r>
-              <a:rPr lang="en-IN" dirty="0" smtClean="0"/>
-              <a:t>Parallel Variable Assignment</a:t>
-            </a:r>
-            <a:endParaRPr lang="en-IN" dirty="0"/>
-          </a:p>
-        </p:txBody>
-      </p:sp>
-      <p:sp>
-        <p:nvSpPr>
-          <p:cNvPr id="3" name="Content Placeholder 2"/>
-          <p:cNvSpPr>
-            <a:spLocks noGrp="1"/>
-          </p:cNvSpPr>
-          <p:nvPr>
-            <p:ph idx="1"/>
-          </p:nvPr>
-        </p:nvSpPr>
-        <p:spPr/>
-        <p:txBody>
-          <a:bodyPr/>
-          <a:lstStyle/>
-          <a:p>
-            <a:r>
-              <a:rPr lang="en-IN" dirty="0" smtClean="0"/>
-              <a:t>a = 10</a:t>
-            </a:r>
-            <a:endParaRPr lang="en-IN" dirty="0" smtClean="0"/>
-          </a:p>
-          <a:p>
-            <a:r>
-              <a:rPr lang="en-IN" dirty="0" smtClean="0"/>
-              <a:t>b = 20</a:t>
-            </a:r>
-            <a:endParaRPr lang="en-IN" dirty="0"/>
-          </a:p>
-          <a:p>
-            <a:r>
-              <a:rPr lang="en-IN" dirty="0" smtClean="0"/>
-              <a:t>c </a:t>
-            </a:r>
-            <a:r>
-              <a:rPr lang="en-IN" dirty="0"/>
-              <a:t>= </a:t>
-            </a:r>
-            <a:r>
-              <a:rPr lang="en-IN" dirty="0" smtClean="0"/>
-              <a:t>30</a:t>
-            </a:r>
-          </a:p>
-          <a:p>
-            <a:r>
-              <a:rPr lang="en-IN" dirty="0" smtClean="0"/>
-              <a:t>Instead use:</a:t>
-            </a:r>
-            <a:endParaRPr lang="en-IN" dirty="0"/>
-          </a:p>
-          <a:p>
-            <a:r>
-              <a:rPr lang="en-IN" dirty="0" smtClean="0"/>
-              <a:t>a, b, c = 10, 20, 30</a:t>
-            </a:r>
-          </a:p>
-          <a:p>
-            <a:endParaRPr lang="en-IN" dirty="0"/>
-          </a:p>
-          <a:p>
-            <a:r>
-              <a:rPr lang="en-IN" dirty="0" smtClean="0"/>
-              <a:t>Swapping</a:t>
-            </a:r>
-          </a:p>
-          <a:p>
-            <a:r>
-              <a:rPr lang="en-IN" dirty="0"/>
-              <a:t>a, b, c = </a:t>
-            </a:r>
-            <a:r>
-              <a:rPr lang="en-IN" dirty="0" smtClean="0"/>
-              <a:t>b, c, a # 20, 30, 10</a:t>
-            </a:r>
-            <a:endParaRPr lang="en-IN" dirty="0"/>
-          </a:p>
-        </p:txBody>
-      </p:sp>
-    </p:spTree>
-    <p:extLst>
-      <p:ext uri="{BB962C8B-B14F-4D97-AF65-F5344CB8AC3E}">
-        <p14:creationId xmlns:p14="http://schemas.microsoft.com/office/powerpoint/2010/main" val="1830755265"/>
-      </p:ext>
-    </p:extLst>
-  </p:cSld>
-  <p:clrMapOvr>
-    <a:masterClrMapping/>
-  </p:clrMapOvr>
-  <p:timing>
-    <p:tnLst>
-      <p:par>
-        <p:cTn id="1" dur="indefinite" restart="never" nodeType="tmRoot"/>
-      </p:par>
-    </p:tnLst>
-  </p:timing>
-</p:sld>
-</file>
-
 <file path=ppt/slides/slide18.xml><?xml version="1.0" encoding="utf-8"?>
 <p:sld xmlns:a="http://schemas.openxmlformats.org/drawingml/2006/main" xmlns:r="http://schemas.openxmlformats.org/officeDocument/2006/relationships" xmlns:p="http://schemas.openxmlformats.org/presentationml/2006/main">
   <p:cSld>
@@ -7584,7 +9832,7 @@
           <a:p>
             <a:r>
               <a:rPr lang="en-IN" dirty="0" smtClean="0"/>
-              <a:t>Constants</a:t>
+              <a:t>Type of Variables</a:t>
             </a:r>
             <a:endParaRPr lang="en-IN" dirty="0"/>
           </a:p>
@@ -7607,51 +9855,82 @@
           <a:p>
             <a:r>
               <a:rPr lang="en-IN" dirty="0" smtClean="0"/>
-              <a:t>Constants must begin with Capital Letter</a:t>
-            </a:r>
-          </a:p>
-          <a:p>
-            <a:pPr lvl="1"/>
-            <a:r>
-              <a:rPr lang="en-IN" dirty="0" smtClean="0"/>
-              <a:t>Name = “Ruby”</a:t>
-            </a:r>
-          </a:p>
-          <a:p>
-            <a:pPr lvl="1"/>
-            <a:r>
-              <a:rPr lang="en-IN" dirty="0" smtClean="0"/>
-              <a:t>NAME = “Ruby”</a:t>
-            </a:r>
-          </a:p>
-          <a:p>
-            <a:pPr lvl="1"/>
-            <a:r>
-              <a:rPr lang="en-IN" dirty="0" smtClean="0"/>
-              <a:t>PI = 3.14159</a:t>
-            </a:r>
-          </a:p>
-          <a:p>
-            <a:pPr lvl="1"/>
+              <a:t>What type or Class a Variable belong to?</a:t>
+            </a:r>
+          </a:p>
+          <a:p>
+            <a:r>
+              <a:rPr lang="en-IN" dirty="0" smtClean="0"/>
+              <a:t>All objects come from a common creation point.</a:t>
+            </a:r>
+            <a:endParaRPr lang="en-IN" dirty="0" smtClean="0"/>
+          </a:p>
+          <a:p>
+            <a:r>
+              <a:rPr lang="en-IN" dirty="0" smtClean="0"/>
+              <a:t>5.class # </a:t>
+            </a:r>
+            <a:r>
+              <a:rPr lang="en-IN" dirty="0" err="1" smtClean="0"/>
+              <a:t>Fixnum</a:t>
+            </a:r>
+            <a:endParaRPr lang="en-IN" dirty="0" smtClean="0"/>
+          </a:p>
+          <a:p>
+            <a:r>
+              <a:rPr lang="en-IN" dirty="0" smtClean="0"/>
+              <a:t>-3.4.class # Float</a:t>
+            </a:r>
+          </a:p>
+          <a:p>
+            <a:r>
+              <a:rPr lang="en-IN" dirty="0" smtClean="0"/>
+              <a:t>“</a:t>
+            </a:r>
+            <a:r>
+              <a:rPr lang="en-IN" dirty="0" err="1" smtClean="0"/>
+              <a:t>Ruby”.class</a:t>
+            </a:r>
+            <a:r>
+              <a:rPr lang="en-IN" dirty="0" smtClean="0"/>
+              <a:t> # String</a:t>
+            </a:r>
+          </a:p>
+          <a:p>
+            <a:r>
+              <a:rPr lang="en-IN" dirty="0" err="1" smtClean="0"/>
+              <a:t>true.class</a:t>
+            </a:r>
+            <a:r>
+              <a:rPr lang="en-IN" dirty="0" smtClean="0"/>
+              <a:t> # </a:t>
+            </a:r>
+            <a:r>
+              <a:rPr lang="en-IN" dirty="0" err="1" smtClean="0"/>
+              <a:t>Trueclass</a:t>
+            </a:r>
+            <a:endParaRPr lang="en-IN" dirty="0" smtClean="0"/>
+          </a:p>
+          <a:p>
+            <a:r>
+              <a:rPr lang="en-IN" dirty="0" err="1" smtClean="0"/>
+              <a:t>false.class</a:t>
+            </a:r>
+            <a:r>
+              <a:rPr lang="en-IN" dirty="0" smtClean="0"/>
+              <a:t> </a:t>
+            </a:r>
+            <a:r>
+              <a:rPr lang="en-IN" dirty="0"/>
+              <a:t># </a:t>
+            </a:r>
+            <a:r>
+              <a:rPr lang="en-IN" dirty="0" err="1" smtClean="0"/>
+              <a:t>Falseclass</a:t>
+            </a:r>
             <a:endParaRPr lang="en-IN" dirty="0"/>
           </a:p>
           <a:p>
-            <a:r>
-              <a:rPr lang="en-IN" dirty="0" smtClean="0"/>
-              <a:t>When </a:t>
-            </a:r>
-            <a:r>
-              <a:rPr lang="en-IN" dirty="0"/>
-              <a:t>we reassign a </a:t>
-            </a:r>
-            <a:r>
-              <a:rPr lang="en-IN" dirty="0" smtClean="0"/>
-              <a:t>constant, unlike </a:t>
-            </a:r>
-            <a:r>
-              <a:rPr lang="en-IN" dirty="0" smtClean="0"/>
-              <a:t>other Languages Ruby wont throw error but it will give warnings.</a:t>
-            </a:r>
             <a:endParaRPr lang="en-IN" dirty="0"/>
           </a:p>
         </p:txBody>
@@ -7659,20 +9938,13 @@
     </p:spTree>
     <p:extLst>
       <p:ext uri="{BB962C8B-B14F-4D97-AF65-F5344CB8AC3E}">
-        <p14:creationId xmlns:p14="http://schemas.microsoft.com/office/powerpoint/2010/main" val="1370023830"/>
+        <p14:creationId xmlns:p14="http://schemas.microsoft.com/office/powerpoint/2010/main" val="1125704570"/>
       </p:ext>
     </p:extLst>
   </p:cSld>
   <p:clrMapOvr>
     <a:masterClrMapping/>
   </p:clrMapOvr>
-  <p:timing>
-    <p:tnLst>
-      <p:par>
-        <p:cTn id="1" dur="indefinite" restart="never" nodeType="tmRoot"/>
-      </p:par>
-    </p:tnLst>
-  </p:timing>
 </p:sld>
 </file>
 
@@ -7710,7 +9982,7 @@
           <a:p>
             <a:r>
               <a:rPr lang="en-IN" dirty="0" smtClean="0"/>
-              <a:t>Strings</a:t>
+              <a:t>Parallel Variable Assignment</a:t>
             </a:r>
             <a:endParaRPr lang="en-IN" dirty="0"/>
           </a:p>
@@ -7733,60 +10005,60 @@
           <a:p>
             <a:r>
               <a:rPr lang="en-IN" dirty="0" smtClean="0"/>
-              <a:t>Sequence of Characters strung together.</a:t>
-            </a:r>
-          </a:p>
-          <a:p>
-            <a:r>
-              <a:rPr lang="en-IN" dirty="0" smtClean="0"/>
-              <a:t>Concatenation – Joining 2 strings</a:t>
-            </a:r>
-          </a:p>
-          <a:p>
-            <a:pPr lvl="1"/>
+              <a:t>a = 10</a:t>
+            </a:r>
+          </a:p>
+          <a:p>
+            <a:r>
+              <a:rPr lang="en-IN" dirty="0" smtClean="0"/>
+              <a:t>b = 20</a:t>
+            </a:r>
+            <a:endParaRPr lang="en-IN" dirty="0"/>
+          </a:p>
+          <a:p>
+            <a:r>
+              <a:rPr lang="en-IN" dirty="0" smtClean="0"/>
+              <a:t>c </a:t>
+            </a:r>
             <a:r>
               <a:rPr lang="en-IN" dirty="0"/>
-              <a:t>n</a:t>
-            </a:r>
-            <a:r>
-              <a:rPr lang="en-IN" dirty="0" smtClean="0"/>
-              <a:t>ame = “Abdul” + “</a:t>
-            </a:r>
-            <a:r>
-              <a:rPr lang="en-IN" dirty="0" err="1" smtClean="0"/>
-              <a:t>Kalam</a:t>
-            </a:r>
-            <a:r>
-              <a:rPr lang="en-IN" dirty="0" smtClean="0"/>
-              <a:t>”</a:t>
-            </a:r>
-          </a:p>
-          <a:p>
-            <a:r>
-              <a:rPr lang="en-IN" dirty="0" smtClean="0"/>
-              <a:t>Interpolation</a:t>
-            </a:r>
-          </a:p>
-          <a:p>
-            <a:pPr lvl="1"/>
-            <a:r>
-              <a:rPr lang="en-IN" dirty="0" smtClean="0"/>
-              <a:t>Process of inserting content within a string.</a:t>
-            </a:r>
-          </a:p>
-          <a:p>
-            <a:pPr lvl="1"/>
-            <a:r>
-              <a:rPr lang="en-IN" dirty="0" smtClean="0"/>
-              <a:t>sentence  = “#{name} was 11</a:t>
-            </a:r>
-            <a:r>
-              <a:rPr lang="en-IN" baseline="30000" dirty="0" smtClean="0"/>
-              <a:t>th</a:t>
-            </a:r>
-            <a:r>
-              <a:rPr lang="en-IN" dirty="0" smtClean="0"/>
-              <a:t> President of India.”</a:t>
+              <a:t>= </a:t>
+            </a:r>
+            <a:r>
+              <a:rPr lang="en-IN" dirty="0" smtClean="0"/>
+              <a:t>30</a:t>
+            </a:r>
+          </a:p>
+          <a:p>
+            <a:r>
+              <a:rPr lang="en-IN" dirty="0" smtClean="0"/>
+              <a:t>Instead use:</a:t>
+            </a:r>
+            <a:endParaRPr lang="en-IN" dirty="0"/>
+          </a:p>
+          <a:p>
+            <a:r>
+              <a:rPr lang="en-IN" dirty="0" smtClean="0"/>
+              <a:t>a, b, c = 10, 20, 30</a:t>
+            </a:r>
+          </a:p>
+          <a:p>
+            <a:endParaRPr lang="en-IN" dirty="0"/>
+          </a:p>
+          <a:p>
+            <a:r>
+              <a:rPr lang="en-IN" dirty="0" smtClean="0"/>
+              <a:t>Swapping</a:t>
+            </a:r>
+          </a:p>
+          <a:p>
+            <a:r>
+              <a:rPr lang="en-IN" dirty="0"/>
+              <a:t>a, b, c = </a:t>
+            </a:r>
+            <a:r>
+              <a:rPr lang="en-IN" dirty="0" smtClean="0"/>
+              <a:t>b, c, a # 20, 30, 10</a:t>
             </a:r>
             <a:endParaRPr lang="en-IN" dirty="0"/>
           </a:p>
@@ -7795,13 +10067,20 @@
     </p:spTree>
     <p:extLst>
       <p:ext uri="{BB962C8B-B14F-4D97-AF65-F5344CB8AC3E}">
-        <p14:creationId xmlns:p14="http://schemas.microsoft.com/office/powerpoint/2010/main" val="148779183"/>
+        <p14:creationId xmlns:p14="http://schemas.microsoft.com/office/powerpoint/2010/main" val="1830755265"/>
       </p:ext>
     </p:extLst>
   </p:cSld>
   <p:clrMapOvr>
     <a:masterClrMapping/>
   </p:clrMapOvr>
+  <p:timing>
+    <p:tnLst>
+      <p:par>
+        <p:cTn id="1" dur="indefinite" restart="never" nodeType="tmRoot"/>
+      </p:par>
+    </p:tnLst>
+  </p:timing>
 </p:sld>
 </file>
 
@@ -8016,6 +10295,267 @@
           <a:p>
             <a:r>
               <a:rPr lang="en-IN" dirty="0" smtClean="0"/>
+              <a:t>Constants</a:t>
+            </a:r>
+            <a:endParaRPr lang="en-IN" dirty="0"/>
+          </a:p>
+        </p:txBody>
+      </p:sp>
+      <p:sp>
+        <p:nvSpPr>
+          <p:cNvPr id="3" name="Content Placeholder 2"/>
+          <p:cNvSpPr>
+            <a:spLocks noGrp="1"/>
+          </p:cNvSpPr>
+          <p:nvPr>
+            <p:ph idx="1"/>
+          </p:nvPr>
+        </p:nvSpPr>
+        <p:spPr/>
+        <p:txBody>
+          <a:bodyPr/>
+          <a:lstStyle/>
+          <a:p>
+            <a:r>
+              <a:rPr lang="en-IN" dirty="0" smtClean="0"/>
+              <a:t>Constants must begin with Capital Letter</a:t>
+            </a:r>
+          </a:p>
+          <a:p>
+            <a:pPr lvl="1"/>
+            <a:r>
+              <a:rPr lang="en-IN" dirty="0" smtClean="0"/>
+              <a:t>Name = “Ruby”</a:t>
+            </a:r>
+          </a:p>
+          <a:p>
+            <a:pPr lvl="1"/>
+            <a:r>
+              <a:rPr lang="en-IN" dirty="0" smtClean="0"/>
+              <a:t>NAME = “Ruby”</a:t>
+            </a:r>
+          </a:p>
+          <a:p>
+            <a:pPr lvl="1"/>
+            <a:r>
+              <a:rPr lang="en-IN" dirty="0" smtClean="0"/>
+              <a:t>PI = 3.14159</a:t>
+            </a:r>
+          </a:p>
+          <a:p>
+            <a:pPr lvl="1"/>
+            <a:endParaRPr lang="en-IN" dirty="0"/>
+          </a:p>
+          <a:p>
+            <a:r>
+              <a:rPr lang="en-IN" dirty="0" smtClean="0"/>
+              <a:t>When </a:t>
+            </a:r>
+            <a:r>
+              <a:rPr lang="en-IN" dirty="0"/>
+              <a:t>we reassign a </a:t>
+            </a:r>
+            <a:r>
+              <a:rPr lang="en-IN" dirty="0" smtClean="0"/>
+              <a:t>constant, unlike other Languages Ruby wont throw error but it will give warnings</a:t>
+            </a:r>
+            <a:r>
+              <a:rPr lang="en-IN" dirty="0" smtClean="0"/>
+              <a:t>.</a:t>
+            </a:r>
+          </a:p>
+          <a:p>
+            <a:endParaRPr lang="en-IN" dirty="0"/>
+          </a:p>
+        </p:txBody>
+      </p:sp>
+    </p:spTree>
+    <p:extLst>
+      <p:ext uri="{BB962C8B-B14F-4D97-AF65-F5344CB8AC3E}">
+        <p14:creationId xmlns:p14="http://schemas.microsoft.com/office/powerpoint/2010/main" val="1370023830"/>
+      </p:ext>
+    </p:extLst>
+  </p:cSld>
+  <p:clrMapOvr>
+    <a:masterClrMapping/>
+  </p:clrMapOvr>
+  <p:timing>
+    <p:tnLst>
+      <p:par>
+        <p:cTn id="1" dur="indefinite" restart="never" nodeType="tmRoot"/>
+      </p:par>
+    </p:tnLst>
+  </p:timing>
+</p:sld>
+</file>
+
+<file path=ppt/slides/slide21.xml><?xml version="1.0" encoding="utf-8"?>
+<p:sld xmlns:a="http://schemas.openxmlformats.org/drawingml/2006/main" xmlns:r="http://schemas.openxmlformats.org/officeDocument/2006/relationships" xmlns:p="http://schemas.openxmlformats.org/presentationml/2006/main">
+  <p:cSld>
+    <p:spTree>
+      <p:nvGrpSpPr>
+        <p:cNvPr id="1" name=""/>
+        <p:cNvGrpSpPr/>
+        <p:nvPr/>
+      </p:nvGrpSpPr>
+      <p:grpSpPr>
+        <a:xfrm>
+          <a:off x="0" y="0"/>
+          <a:ext cx="0" cy="0"/>
+          <a:chOff x="0" y="0"/>
+          <a:chExt cx="0" cy="0"/>
+        </a:xfrm>
+      </p:grpSpPr>
+      <p:sp>
+        <p:nvSpPr>
+          <p:cNvPr id="2" name="Title 1"/>
+          <p:cNvSpPr>
+            <a:spLocks noGrp="1"/>
+          </p:cNvSpPr>
+          <p:nvPr>
+            <p:ph type="title"/>
+          </p:nvPr>
+        </p:nvSpPr>
+        <p:spPr/>
+        <p:txBody>
+          <a:bodyPr/>
+          <a:lstStyle/>
+          <a:p>
+            <a:r>
+              <a:rPr lang="en-IN" dirty="0" smtClean="0"/>
+              <a:t>Strings</a:t>
+            </a:r>
+            <a:endParaRPr lang="en-IN" dirty="0"/>
+          </a:p>
+        </p:txBody>
+      </p:sp>
+      <p:sp>
+        <p:nvSpPr>
+          <p:cNvPr id="3" name="Content Placeholder 2"/>
+          <p:cNvSpPr>
+            <a:spLocks noGrp="1"/>
+          </p:cNvSpPr>
+          <p:nvPr>
+            <p:ph idx="1"/>
+          </p:nvPr>
+        </p:nvSpPr>
+        <p:spPr/>
+        <p:txBody>
+          <a:bodyPr/>
+          <a:lstStyle/>
+          <a:p>
+            <a:r>
+              <a:rPr lang="en-IN" dirty="0" smtClean="0"/>
+              <a:t>Sequence of Characters strung together.</a:t>
+            </a:r>
+          </a:p>
+          <a:p>
+            <a:r>
+              <a:rPr lang="en-IN" dirty="0" smtClean="0"/>
+              <a:t>Concatenation – Joining 2 strings</a:t>
+            </a:r>
+          </a:p>
+          <a:p>
+            <a:pPr lvl="1"/>
+            <a:r>
+              <a:rPr lang="en-IN" dirty="0"/>
+              <a:t>n</a:t>
+            </a:r>
+            <a:r>
+              <a:rPr lang="en-IN" dirty="0" smtClean="0"/>
+              <a:t>ame = “Abdul” + </a:t>
+            </a:r>
+            <a:r>
+              <a:rPr lang="en-IN" dirty="0" smtClean="0"/>
+              <a:t>“ </a:t>
+            </a:r>
+            <a:r>
+              <a:rPr lang="en-IN" dirty="0" err="1" smtClean="0"/>
+              <a:t>Kalam</a:t>
+            </a:r>
+            <a:r>
+              <a:rPr lang="en-IN" dirty="0" smtClean="0"/>
+              <a:t>”</a:t>
+            </a:r>
+          </a:p>
+          <a:p>
+            <a:r>
+              <a:rPr lang="en-IN" dirty="0" smtClean="0"/>
+              <a:t>Interpolation</a:t>
+            </a:r>
+          </a:p>
+          <a:p>
+            <a:pPr lvl="1"/>
+            <a:r>
+              <a:rPr lang="en-IN" dirty="0" smtClean="0"/>
+              <a:t>Process of inserting content within a string.</a:t>
+            </a:r>
+          </a:p>
+          <a:p>
+            <a:pPr lvl="1"/>
+            <a:r>
+              <a:rPr lang="en-IN" dirty="0" smtClean="0"/>
+              <a:t>sentence  = “#{name} was 11</a:t>
+            </a:r>
+            <a:r>
+              <a:rPr lang="en-IN" baseline="30000" dirty="0" smtClean="0"/>
+              <a:t>th</a:t>
+            </a:r>
+            <a:r>
+              <a:rPr lang="en-IN" dirty="0" smtClean="0"/>
+              <a:t> President of India.”</a:t>
+            </a:r>
+            <a:endParaRPr lang="en-IN" dirty="0"/>
+          </a:p>
+        </p:txBody>
+      </p:sp>
+    </p:spTree>
+    <p:extLst>
+      <p:ext uri="{BB962C8B-B14F-4D97-AF65-F5344CB8AC3E}">
+        <p14:creationId xmlns:p14="http://schemas.microsoft.com/office/powerpoint/2010/main" val="148779183"/>
+      </p:ext>
+    </p:extLst>
+  </p:cSld>
+  <p:clrMapOvr>
+    <a:masterClrMapping/>
+  </p:clrMapOvr>
+</p:sld>
+</file>
+
+<file path=ppt/slides/slide22.xml><?xml version="1.0" encoding="utf-8"?>
+<p:sld xmlns:a="http://schemas.openxmlformats.org/drawingml/2006/main" xmlns:r="http://schemas.openxmlformats.org/officeDocument/2006/relationships" xmlns:p="http://schemas.openxmlformats.org/presentationml/2006/main">
+  <p:cSld>
+    <p:spTree>
+      <p:nvGrpSpPr>
+        <p:cNvPr id="1" name=""/>
+        <p:cNvGrpSpPr/>
+        <p:nvPr/>
+      </p:nvGrpSpPr>
+      <p:grpSpPr>
+        <a:xfrm>
+          <a:off x="0" y="0"/>
+          <a:ext cx="0" cy="0"/>
+          <a:chOff x="0" y="0"/>
+          <a:chExt cx="0" cy="0"/>
+        </a:xfrm>
+      </p:grpSpPr>
+      <p:sp>
+        <p:nvSpPr>
+          <p:cNvPr id="2" name="Title 1"/>
+          <p:cNvSpPr>
+            <a:spLocks noGrp="1"/>
+          </p:cNvSpPr>
+          <p:nvPr>
+            <p:ph type="title"/>
+          </p:nvPr>
+        </p:nvSpPr>
+        <p:spPr/>
+        <p:txBody>
+          <a:bodyPr/>
+          <a:lstStyle/>
+          <a:p>
+            <a:r>
+              <a:rPr lang="en-IN" dirty="0" smtClean="0"/>
               <a:t>User Input</a:t>
             </a:r>
             <a:endParaRPr lang="en-IN" dirty="0"/>
@@ -8037,7 +10577,17 @@
           <a:bodyPr/>
           <a:lstStyle/>
           <a:p>
-            <a:endParaRPr lang="en-IN"/>
+            <a:r>
+              <a:rPr lang="en-IN" dirty="0" smtClean="0"/>
+              <a:t>Ask for user input using gets (get string from user)</a:t>
+            </a:r>
+          </a:p>
+          <a:p>
+            <a:r>
+              <a:rPr lang="en-IN" dirty="0" smtClean="0"/>
+              <a:t>Use chomp method to remove the new line at the end of user input.</a:t>
+            </a:r>
+            <a:endParaRPr lang="en-IN" dirty="0"/>
           </a:p>
         </p:txBody>
       </p:sp>
@@ -8061,7 +10611,7 @@
 </p:sld>
 </file>
 
-<file path=ppt/slides/slide21.xml><?xml version="1.0" encoding="utf-8"?>
+<file path=ppt/slides/slide23.xml><?xml version="1.0" encoding="utf-8"?>
 <p:sld xmlns:a="http://schemas.openxmlformats.org/drawingml/2006/main" xmlns:r="http://schemas.openxmlformats.org/officeDocument/2006/relationships" xmlns:p="http://schemas.openxmlformats.org/presentationml/2006/main">
   <p:cSld>
     <p:spTree>
@@ -8875,7 +11425,11 @@
             </a:r>
             <a:r>
               <a:rPr lang="en-IN" dirty="0" smtClean="0"/>
-              <a:t> concatenation, </a:t>
+              <a:t> </a:t>
+            </a:r>
+            <a:r>
+              <a:rPr lang="en-IN" dirty="0" smtClean="0"/>
+              <a:t>concatenation(+), </a:t>
             </a:r>
             <a:r>
               <a:rPr lang="en-IN" dirty="0" err="1" smtClean="0"/>
@@ -8994,11 +11548,7 @@
             <a:pPr lvl="1"/>
             <a:r>
               <a:rPr lang="en-IN" dirty="0" smtClean="0"/>
-              <a:t>Syntax, Type Checks and </a:t>
-            </a:r>
-            <a:r>
-              <a:rPr lang="en-IN" dirty="0" smtClean="0"/>
-              <a:t>Evaluates</a:t>
+              <a:t>Syntax, Type Checks and Evaluates</a:t>
             </a:r>
           </a:p>
           <a:p>
@@ -9019,15 +11569,7 @@
           <a:p>
             <a:r>
               <a:rPr lang="en-IN" dirty="0" smtClean="0"/>
-              <a:t>When Type </a:t>
-            </a:r>
-            <a:r>
-              <a:rPr lang="en-IN" dirty="0" smtClean="0"/>
-              <a:t>checking </a:t>
-            </a:r>
-            <a:r>
-              <a:rPr lang="en-IN" dirty="0" smtClean="0"/>
-              <a:t>happens?</a:t>
+              <a:t>When Type checking happens?</a:t>
             </a:r>
           </a:p>
           <a:p>
@@ -9189,11 +11731,7 @@
             </a:r>
             <a:r>
               <a:rPr lang="en-IN" dirty="0" smtClean="0"/>
-              <a:t>ype Checking rules are there</a:t>
-            </a:r>
-            <a:r>
-              <a:rPr lang="en-IN" dirty="0" smtClean="0"/>
-              <a:t>?</a:t>
+              <a:t>ype Checking rules are there?</a:t>
             </a:r>
           </a:p>
           <a:p>
@@ -9201,7 +11739,6 @@
               <a:rPr lang="en-IN" dirty="0" smtClean="0"/>
               <a:t>Some languages are relatively stronger than others</a:t>
             </a:r>
-            <a:endParaRPr lang="en-IN" dirty="0" smtClean="0"/>
           </a:p>
           <a:p>
             <a:r>
@@ -9241,15 +11778,7 @@
             <a:pPr lvl="1"/>
             <a:r>
               <a:rPr lang="en-IN" dirty="0" smtClean="0"/>
-              <a:t>Avoids </a:t>
-            </a:r>
-            <a:r>
-              <a:rPr lang="en-IN" dirty="0" smtClean="0"/>
-              <a:t>meaningless </a:t>
-            </a:r>
-            <a:r>
-              <a:rPr lang="en-IN" dirty="0" smtClean="0"/>
-              <a:t>type conversions</a:t>
+              <a:t>Avoids meaningless type conversions</a:t>
             </a:r>
           </a:p>
           <a:p>

--- a/Session1-Intro.pptx
+++ b/Session1-Intro.pptx
@@ -5953,8 +5953,13 @@
           <a:p>
             <a:r>
               <a:rPr lang="en-IN" dirty="0" smtClean="0"/>
-              <a:t>Ruby supports both Functional and Object Oriented Programming</a:t>
-            </a:r>
+              <a:t>Ruby </a:t>
+            </a:r>
+            <a:r>
+              <a:rPr lang="en-IN" dirty="0" smtClean="0"/>
+              <a:t>supports Functional style of programming</a:t>
+            </a:r>
+            <a:endParaRPr lang="en-IN" dirty="0" smtClean="0"/>
           </a:p>
           <a:p>
             <a:endParaRPr lang="en-IN" dirty="0"/>
@@ -7147,6 +7152,13 @@
   <p:clrMapOvr>
     <a:masterClrMapping/>
   </p:clrMapOvr>
+  <p:timing>
+    <p:tnLst>
+      <p:par>
+        <p:cTn id="1" dur="indefinite" restart="never" nodeType="tmRoot"/>
+      </p:par>
+    </p:tnLst>
+  </p:timing>
 </p:sld>
 </file>
 
@@ -11308,6 +11320,13 @@
   <p:clrMapOvr>
     <a:masterClrMapping/>
   </p:clrMapOvr>
+  <p:timing>
+    <p:tnLst>
+      <p:par>
+        <p:cTn id="1" dur="indefinite" restart="never" nodeType="tmRoot"/>
+      </p:par>
+    </p:tnLst>
+  </p:timing>
 </p:sld>
 </file>
 
@@ -11473,6 +11492,13 @@
   <p:clrMapOvr>
     <a:masterClrMapping/>
   </p:clrMapOvr>
+  <p:timing>
+    <p:tnLst>
+      <p:par>
+        <p:cTn id="1" dur="indefinite" restart="never" nodeType="tmRoot"/>
+      </p:par>
+    </p:tnLst>
+  </p:timing>
 </p:sld>
 </file>
 
